--- a/Module1_Final_Project.pptx
+++ b/Module1_Final_Project.pptx
@@ -5,33 +5,34 @@
     <p:sldMasterId id="2147483648" r:id="rId1"/>
   </p:sldMasterIdLst>
   <p:notesMasterIdLst>
-    <p:notesMasterId r:id="rId26"/>
+    <p:notesMasterId r:id="rId27"/>
   </p:notesMasterIdLst>
   <p:sldIdLst>
     <p:sldId id="269" r:id="rId2"/>
-    <p:sldId id="271" r:id="rId3"/>
-    <p:sldId id="272" r:id="rId4"/>
-    <p:sldId id="304" r:id="rId5"/>
-    <p:sldId id="305" r:id="rId6"/>
+    <p:sldId id="324" r:id="rId3"/>
+    <p:sldId id="271" r:id="rId4"/>
+    <p:sldId id="272" r:id="rId5"/>
+    <p:sldId id="325" r:id="rId6"/>
     <p:sldId id="306" r:id="rId7"/>
-    <p:sldId id="307" r:id="rId8"/>
-    <p:sldId id="308" r:id="rId9"/>
+    <p:sldId id="304" r:id="rId8"/>
+    <p:sldId id="307" r:id="rId9"/>
     <p:sldId id="309" r:id="rId10"/>
-    <p:sldId id="310" r:id="rId11"/>
-    <p:sldId id="312" r:id="rId12"/>
-    <p:sldId id="313" r:id="rId13"/>
-    <p:sldId id="314" r:id="rId14"/>
-    <p:sldId id="315" r:id="rId15"/>
-    <p:sldId id="316" r:id="rId16"/>
-    <p:sldId id="318" r:id="rId17"/>
-    <p:sldId id="319" r:id="rId18"/>
-    <p:sldId id="320" r:id="rId19"/>
-    <p:sldId id="321" r:id="rId20"/>
-    <p:sldId id="283" r:id="rId21"/>
-    <p:sldId id="322" r:id="rId22"/>
-    <p:sldId id="323" r:id="rId23"/>
-    <p:sldId id="317" r:id="rId24"/>
-    <p:sldId id="294" r:id="rId25"/>
+    <p:sldId id="308" r:id="rId11"/>
+    <p:sldId id="310" r:id="rId12"/>
+    <p:sldId id="312" r:id="rId13"/>
+    <p:sldId id="313" r:id="rId14"/>
+    <p:sldId id="314" r:id="rId15"/>
+    <p:sldId id="315" r:id="rId16"/>
+    <p:sldId id="316" r:id="rId17"/>
+    <p:sldId id="318" r:id="rId18"/>
+    <p:sldId id="319" r:id="rId19"/>
+    <p:sldId id="320" r:id="rId20"/>
+    <p:sldId id="321" r:id="rId21"/>
+    <p:sldId id="283" r:id="rId22"/>
+    <p:sldId id="322" r:id="rId23"/>
+    <p:sldId id="323" r:id="rId24"/>
+    <p:sldId id="317" r:id="rId25"/>
+    <p:sldId id="294" r:id="rId26"/>
   </p:sldIdLst>
   <p:sldSz cx="18288000" cy="10287000"/>
   <p:notesSz cx="10287000" cy="18288000"/>
@@ -1175,6 +1176,52 @@
           <a:chExt cx="0" cy="0"/>
         </a:xfrm>
       </p:grpSpPr>
+      <p:sp>
+        <p:nvSpPr>
+          <p:cNvPr id="11" name="Rectángulo 10"/>
+          <p:cNvSpPr/>
+          <p:nvPr userDrawn="1"/>
+        </p:nvSpPr>
+        <p:spPr>
+          <a:xfrm>
+            <a:off x="2952750" y="0"/>
+            <a:ext cx="15335250" cy="10287000"/>
+          </a:xfrm>
+          <a:prstGeom prst="rect">
+            <a:avLst/>
+          </a:prstGeom>
+          <a:solidFill>
+            <a:srgbClr val="F4F4F4"/>
+          </a:solidFill>
+          <a:ln>
+            <a:noFill/>
+          </a:ln>
+        </p:spPr>
+        <p:style>
+          <a:lnRef idx="2">
+            <a:schemeClr val="accent1">
+              <a:shade val="50000"/>
+            </a:schemeClr>
+          </a:lnRef>
+          <a:fillRef idx="1">
+            <a:schemeClr val="accent1"/>
+          </a:fillRef>
+          <a:effectRef idx="0">
+            <a:schemeClr val="accent1"/>
+          </a:effectRef>
+          <a:fontRef idx="minor">
+            <a:schemeClr val="lt1"/>
+          </a:fontRef>
+        </p:style>
+        <p:txBody>
+          <a:bodyPr rtlCol="0" anchor="ctr"/>
+          <a:lstStyle/>
+          <a:p>
+            <a:pPr algn="ctr"/>
+            <a:endParaRPr lang="en-US"/>
+          </a:p>
+        </p:txBody>
+      </p:sp>
       <p:sp>
         <p:nvSpPr>
           <p:cNvPr id="8" name="Rectángulo 7"/>
@@ -3019,8 +3066,12 @@
           <a:lstStyle/>
           <a:p>
             <a:r>
-              <a:rPr lang="en-US" dirty="0" smtClean="0"/>
-              <a:t>Budget, spend and revenue by channel</a:t>
+              <a:rPr lang="en-US" dirty="0" err="1" smtClean="0"/>
+              <a:t>Heatmap</a:t>
+            </a:r>
+            <a:r>
+              <a:rPr lang="en-US" dirty="0" smtClean="0"/>
+              <a:t> for numerical variables</a:t>
             </a:r>
             <a:endParaRPr lang="en-US" dirty="0"/>
           </a:p>
@@ -3050,15 +3101,15 @@
         </p:blipFill>
         <p:spPr>
           <a:xfrm>
-            <a:off x="5198944" y="2084865"/>
-            <a:ext cx="10800000" cy="7175778"/>
+            <a:off x="6046616" y="2076450"/>
+            <a:ext cx="9104656" cy="6516688"/>
           </a:xfrm>
         </p:spPr>
       </p:pic>
     </p:spTree>
     <p:extLst>
       <p:ext uri="{BB962C8B-B14F-4D97-AF65-F5344CB8AC3E}">
-        <p14:creationId xmlns:p14="http://schemas.microsoft.com/office/powerpoint/2010/main" val="1693779474"/>
+        <p14:creationId xmlns:p14="http://schemas.microsoft.com/office/powerpoint/2010/main" val="1662766581"/>
       </p:ext>
     </p:extLst>
   </p:cSld>
@@ -3092,14 +3143,37 @@
           <a:chExt cx="0" cy="0"/>
         </a:xfrm>
       </p:grpSpPr>
+      <p:sp>
+        <p:nvSpPr>
+          <p:cNvPr id="2" name="Marcador de texto 1"/>
+          <p:cNvSpPr>
+            <a:spLocks noGrp="1"/>
+          </p:cNvSpPr>
+          <p:nvPr>
+            <p:ph type="body" sz="quarter" idx="10"/>
+          </p:nvPr>
+        </p:nvSpPr>
+        <p:spPr/>
+        <p:txBody>
+          <a:bodyPr/>
+          <a:lstStyle/>
+          <a:p>
+            <a:r>
+              <a:rPr lang="en-US" dirty="0" smtClean="0"/>
+              <a:t>Budget, spend and revenue by channel</a:t>
+            </a:r>
+            <a:endParaRPr lang="en-US" dirty="0"/>
+          </a:p>
+        </p:txBody>
+      </p:sp>
       <p:pic>
         <p:nvPicPr>
-          <p:cNvPr id="7" name="Marcador de contenido 6"/>
+          <p:cNvPr id="4" name="Marcador de contenido 3"/>
           <p:cNvPicPr>
             <a:picLocks noGrp="1" noChangeAspect="1"/>
           </p:cNvPicPr>
           <p:nvPr>
-            <p:ph sz="quarter" idx="10"/>
+            <p:ph sz="quarter" idx="11"/>
           </p:nvPr>
         </p:nvPicPr>
         <p:blipFill>
@@ -3116,105 +3190,15 @@
         </p:blipFill>
         <p:spPr>
           <a:xfrm>
-            <a:off x="10839450" y="2518151"/>
-            <a:ext cx="7229474" cy="5250698"/>
+            <a:off x="5198944" y="2084865"/>
+            <a:ext cx="10800000" cy="7175778"/>
           </a:xfrm>
         </p:spPr>
       </p:pic>
-      <p:sp>
-        <p:nvSpPr>
-          <p:cNvPr id="3" name="Marcador de texto 2"/>
-          <p:cNvSpPr>
-            <a:spLocks noGrp="1"/>
-          </p:cNvSpPr>
-          <p:nvPr>
-            <p:ph type="body" sz="quarter" idx="12"/>
-          </p:nvPr>
-        </p:nvSpPr>
-        <p:spPr/>
-        <p:txBody>
-          <a:bodyPr/>
-          <a:lstStyle/>
-          <a:p>
-            <a:r>
-              <a:rPr lang="en-US" dirty="0" smtClean="0"/>
-              <a:t>Important:</a:t>
-            </a:r>
-          </a:p>
-          <a:p>
-            <a:r>
-              <a:rPr lang="en-US" dirty="0" smtClean="0"/>
-              <a:t>The news ROI may seem higher at a glance but only 6 campaigns were executed via this channel, whereas the other channels have more than 800 campaigns.</a:t>
-            </a:r>
-            <a:endParaRPr lang="en-US" dirty="0"/>
-          </a:p>
-        </p:txBody>
-      </p:sp>
-      <p:sp>
-        <p:nvSpPr>
-          <p:cNvPr id="4" name="Marcador de texto 3"/>
-          <p:cNvSpPr>
-            <a:spLocks noGrp="1"/>
-          </p:cNvSpPr>
-          <p:nvPr>
-            <p:ph type="body" sz="quarter" idx="13"/>
-          </p:nvPr>
-        </p:nvSpPr>
-        <p:spPr/>
-        <p:txBody>
-          <a:bodyPr/>
-          <a:lstStyle/>
-          <a:p>
-            <a:endParaRPr lang="en-US"/>
-          </a:p>
-        </p:txBody>
-      </p:sp>
-      <p:sp>
-        <p:nvSpPr>
-          <p:cNvPr id="5" name="Marcador de texto 4"/>
-          <p:cNvSpPr>
-            <a:spLocks noGrp="1"/>
-          </p:cNvSpPr>
-          <p:nvPr>
-            <p:ph type="body" sz="quarter" idx="15"/>
-          </p:nvPr>
-        </p:nvSpPr>
-        <p:spPr/>
-        <p:txBody>
-          <a:bodyPr/>
-          <a:lstStyle/>
-          <a:p>
-            <a:endParaRPr lang="en-US" dirty="0"/>
-          </a:p>
-        </p:txBody>
-      </p:sp>
-      <p:sp>
-        <p:nvSpPr>
-          <p:cNvPr id="6" name="Marcador de texto 5"/>
-          <p:cNvSpPr>
-            <a:spLocks noGrp="1"/>
-          </p:cNvSpPr>
-          <p:nvPr>
-            <p:ph type="body" sz="quarter" idx="16"/>
-          </p:nvPr>
-        </p:nvSpPr>
-        <p:spPr/>
-        <p:txBody>
-          <a:bodyPr/>
-          <a:lstStyle/>
-          <a:p>
-            <a:r>
-              <a:rPr lang="en-US" dirty="0" smtClean="0"/>
-              <a:t>ROI by channel</a:t>
-            </a:r>
-            <a:endParaRPr lang="en-US" dirty="0"/>
-          </a:p>
-        </p:txBody>
-      </p:sp>
     </p:spTree>
     <p:extLst>
       <p:ext uri="{BB962C8B-B14F-4D97-AF65-F5344CB8AC3E}">
-        <p14:creationId xmlns:p14="http://schemas.microsoft.com/office/powerpoint/2010/main" val="266989482"/>
+        <p14:creationId xmlns:p14="http://schemas.microsoft.com/office/powerpoint/2010/main" val="1693779474"/>
       </p:ext>
     </p:extLst>
   </p:cSld>
@@ -3248,57 +3232,14 @@
           <a:chExt cx="0" cy="0"/>
         </a:xfrm>
       </p:grpSpPr>
-      <p:sp>
-        <p:nvSpPr>
-          <p:cNvPr id="2" name="Marcador de texto 1"/>
-          <p:cNvSpPr>
-            <a:spLocks noGrp="1"/>
-          </p:cNvSpPr>
-          <p:nvPr>
-            <p:ph type="body" sz="quarter" idx="10"/>
-          </p:nvPr>
-        </p:nvSpPr>
-        <p:spPr/>
-        <p:txBody>
-          <a:bodyPr/>
-          <a:lstStyle/>
-          <a:p>
-            <a:r>
-              <a:rPr lang="en-US" dirty="0"/>
-              <a:t>Budget, </a:t>
-            </a:r>
-            <a:r>
-              <a:rPr lang="en-US" dirty="0" smtClean="0"/>
-              <a:t>spend </a:t>
-            </a:r>
-            <a:r>
-              <a:rPr lang="en-US" dirty="0"/>
-              <a:t>and </a:t>
-            </a:r>
-            <a:r>
-              <a:rPr lang="en-US" dirty="0" smtClean="0"/>
-              <a:t>revenue </a:t>
-            </a:r>
-            <a:r>
-              <a:rPr lang="en-US" dirty="0"/>
-              <a:t>by r</a:t>
-            </a:r>
-            <a:r>
-              <a:rPr lang="en-US" dirty="0" smtClean="0"/>
-              <a:t>egion</a:t>
-            </a:r>
-            <a:endParaRPr lang="en-US" dirty="0"/>
-          </a:p>
-        </p:txBody>
-      </p:sp>
       <p:pic>
         <p:nvPicPr>
-          <p:cNvPr id="6" name="Marcador de contenido 5"/>
+          <p:cNvPr id="7" name="Marcador de contenido 6"/>
           <p:cNvPicPr>
             <a:picLocks noGrp="1" noChangeAspect="1"/>
           </p:cNvPicPr>
           <p:nvPr>
-            <p:ph sz="quarter" idx="11"/>
+            <p:ph sz="quarter" idx="10"/>
           </p:nvPr>
         </p:nvPicPr>
         <p:blipFill>
@@ -3315,15 +3256,105 @@
         </p:blipFill>
         <p:spPr>
           <a:xfrm>
-            <a:off x="5198944" y="2084864"/>
-            <a:ext cx="10800000" cy="7175778"/>
+            <a:off x="10839450" y="2518151"/>
+            <a:ext cx="7229474" cy="5250698"/>
           </a:xfrm>
         </p:spPr>
       </p:pic>
+      <p:sp>
+        <p:nvSpPr>
+          <p:cNvPr id="3" name="Marcador de texto 2"/>
+          <p:cNvSpPr>
+            <a:spLocks noGrp="1"/>
+          </p:cNvSpPr>
+          <p:nvPr>
+            <p:ph type="body" sz="quarter" idx="12"/>
+          </p:nvPr>
+        </p:nvSpPr>
+        <p:spPr/>
+        <p:txBody>
+          <a:bodyPr/>
+          <a:lstStyle/>
+          <a:p>
+            <a:r>
+              <a:rPr lang="en-US" dirty="0" smtClean="0"/>
+              <a:t>Important:</a:t>
+            </a:r>
+          </a:p>
+          <a:p>
+            <a:r>
+              <a:rPr lang="en-US" dirty="0" smtClean="0"/>
+              <a:t>The news ROI may seem higher at a glance but only 6 campaigns were executed via this channel, whereas the other channels have more than 800 campaigns.</a:t>
+            </a:r>
+            <a:endParaRPr lang="en-US" dirty="0"/>
+          </a:p>
+        </p:txBody>
+      </p:sp>
+      <p:sp>
+        <p:nvSpPr>
+          <p:cNvPr id="4" name="Marcador de texto 3"/>
+          <p:cNvSpPr>
+            <a:spLocks noGrp="1"/>
+          </p:cNvSpPr>
+          <p:nvPr>
+            <p:ph type="body" sz="quarter" idx="13"/>
+          </p:nvPr>
+        </p:nvSpPr>
+        <p:spPr/>
+        <p:txBody>
+          <a:bodyPr/>
+          <a:lstStyle/>
+          <a:p>
+            <a:endParaRPr lang="en-US"/>
+          </a:p>
+        </p:txBody>
+      </p:sp>
+      <p:sp>
+        <p:nvSpPr>
+          <p:cNvPr id="5" name="Marcador de texto 4"/>
+          <p:cNvSpPr>
+            <a:spLocks noGrp="1"/>
+          </p:cNvSpPr>
+          <p:nvPr>
+            <p:ph type="body" sz="quarter" idx="15"/>
+          </p:nvPr>
+        </p:nvSpPr>
+        <p:spPr/>
+        <p:txBody>
+          <a:bodyPr/>
+          <a:lstStyle/>
+          <a:p>
+            <a:endParaRPr lang="en-US" dirty="0"/>
+          </a:p>
+        </p:txBody>
+      </p:sp>
+      <p:sp>
+        <p:nvSpPr>
+          <p:cNvPr id="6" name="Marcador de texto 5"/>
+          <p:cNvSpPr>
+            <a:spLocks noGrp="1"/>
+          </p:cNvSpPr>
+          <p:nvPr>
+            <p:ph type="body" sz="quarter" idx="16"/>
+          </p:nvPr>
+        </p:nvSpPr>
+        <p:spPr/>
+        <p:txBody>
+          <a:bodyPr/>
+          <a:lstStyle/>
+          <a:p>
+            <a:r>
+              <a:rPr lang="en-US" dirty="0" smtClean="0"/>
+              <a:t>ROI by channel</a:t>
+            </a:r>
+            <a:endParaRPr lang="en-US" dirty="0"/>
+          </a:p>
+        </p:txBody>
+      </p:sp>
     </p:spTree>
     <p:extLst>
       <p:ext uri="{BB962C8B-B14F-4D97-AF65-F5344CB8AC3E}">
-        <p14:creationId xmlns:p14="http://schemas.microsoft.com/office/powerpoint/2010/main" val="2007969276"/>
+        <p14:creationId xmlns:p14="http://schemas.microsoft.com/office/powerpoint/2010/main" val="266989482"/>
       </p:ext>
     </p:extLst>
   </p:cSld>
@@ -3373,8 +3404,28 @@
           <a:lstStyle/>
           <a:p>
             <a:r>
-              <a:rPr lang="en-US" dirty="0" smtClean="0"/>
-              <a:t>ROI by region</a:t>
+              <a:rPr lang="en-US" dirty="0"/>
+              <a:t>Budget, </a:t>
+            </a:r>
+            <a:r>
+              <a:rPr lang="en-US" dirty="0" smtClean="0"/>
+              <a:t>spend </a:t>
+            </a:r>
+            <a:r>
+              <a:rPr lang="en-US" dirty="0"/>
+              <a:t>and </a:t>
+            </a:r>
+            <a:r>
+              <a:rPr lang="en-US" dirty="0" smtClean="0"/>
+              <a:t>revenue </a:t>
+            </a:r>
+            <a:r>
+              <a:rPr lang="en-US" dirty="0"/>
+              <a:t>by r</a:t>
+            </a:r>
+            <a:r>
+              <a:rPr lang="en-US" dirty="0" smtClean="0"/>
+              <a:t>egion</a:t>
             </a:r>
             <a:endParaRPr lang="en-US" dirty="0"/>
           </a:p>
@@ -3382,7 +3433,7 @@
       </p:sp>
       <p:pic>
         <p:nvPicPr>
-          <p:cNvPr id="4" name="Marcador de contenido 3"/>
+          <p:cNvPr id="6" name="Marcador de contenido 5"/>
           <p:cNvPicPr>
             <a:picLocks noGrp="1" noChangeAspect="1"/>
           </p:cNvPicPr>
@@ -3404,15 +3455,15 @@
         </p:blipFill>
         <p:spPr>
           <a:xfrm>
-            <a:off x="5008444" y="1950752"/>
-            <a:ext cx="10800000" cy="7800000"/>
+            <a:off x="5198944" y="2084864"/>
+            <a:ext cx="10800000" cy="7175778"/>
           </a:xfrm>
         </p:spPr>
       </p:pic>
     </p:spTree>
     <p:extLst>
       <p:ext uri="{BB962C8B-B14F-4D97-AF65-F5344CB8AC3E}">
-        <p14:creationId xmlns:p14="http://schemas.microsoft.com/office/powerpoint/2010/main" val="1966770461"/>
+        <p14:creationId xmlns:p14="http://schemas.microsoft.com/office/powerpoint/2010/main" val="2007969276"/>
       </p:ext>
     </p:extLst>
   </p:cSld>
@@ -3463,7 +3514,7 @@
           <a:p>
             <a:r>
               <a:rPr lang="en-US" dirty="0" smtClean="0"/>
-              <a:t>Campaigns by region</a:t>
+              <a:t>ROI by region</a:t>
             </a:r>
             <a:endParaRPr lang="en-US" dirty="0"/>
           </a:p>
@@ -3493,15 +3544,15 @@
         </p:blipFill>
         <p:spPr>
           <a:xfrm>
-            <a:off x="5046544" y="2046002"/>
-            <a:ext cx="10800000" cy="7681956"/>
+            <a:off x="5008444" y="1950752"/>
+            <a:ext cx="10800000" cy="7800000"/>
           </a:xfrm>
         </p:spPr>
       </p:pic>
     </p:spTree>
     <p:extLst>
       <p:ext uri="{BB962C8B-B14F-4D97-AF65-F5344CB8AC3E}">
-        <p14:creationId xmlns:p14="http://schemas.microsoft.com/office/powerpoint/2010/main" val="461569191"/>
+        <p14:creationId xmlns:p14="http://schemas.microsoft.com/office/powerpoint/2010/main" val="1966770461"/>
       </p:ext>
     </p:extLst>
   </p:cSld>
@@ -3552,44 +3603,45 @@
           <a:p>
             <a:r>
               <a:rPr lang="en-US" dirty="0" smtClean="0"/>
-              <a:t>Campaign effectiveness</a:t>
+              <a:t>Campaigns by region</a:t>
             </a:r>
             <a:endParaRPr lang="en-US" dirty="0"/>
           </a:p>
         </p:txBody>
       </p:sp>
-      <p:sp>
-        <p:nvSpPr>
-          <p:cNvPr id="3" name="Marcador de texto 2"/>
-          <p:cNvSpPr>
-            <a:spLocks noGrp="1"/>
-          </p:cNvSpPr>
-          <p:nvPr>
-            <p:ph type="body" sz="quarter" idx="11"/>
-          </p:nvPr>
-        </p:nvSpPr>
-        <p:spPr>
-          <a:xfrm>
-            <a:off x="3792921" y="5039102"/>
-            <a:ext cx="11259510" cy="685800"/>
-          </a:xfrm>
-        </p:spPr>
-        <p:txBody>
-          <a:bodyPr/>
-          <a:lstStyle/>
-          <a:p>
-            <a:r>
-              <a:rPr lang="en-US" dirty="0" smtClean="0"/>
-              <a:t>Multivariate analysis</a:t>
-            </a:r>
-            <a:endParaRPr lang="en-US" dirty="0"/>
-          </a:p>
-        </p:txBody>
-      </p:sp>
+      <p:pic>
+        <p:nvPicPr>
+          <p:cNvPr id="6" name="Marcador de contenido 5"/>
+          <p:cNvPicPr>
+            <a:picLocks noGrp="1" noChangeAspect="1"/>
+          </p:cNvPicPr>
+          <p:nvPr>
+            <p:ph sz="quarter" idx="11"/>
+          </p:nvPr>
+        </p:nvPicPr>
+        <p:blipFill>
+          <a:blip r:embed="rId2">
+            <a:extLst>
+              <a:ext uri="{28A0092B-C50C-407E-A947-70E740481C1C}">
+                <a14:useLocalDpi xmlns:a14="http://schemas.microsoft.com/office/drawing/2010/main" val="0"/>
+              </a:ext>
+            </a:extLst>
+          </a:blip>
+          <a:stretch>
+            <a:fillRect/>
+          </a:stretch>
+        </p:blipFill>
+        <p:spPr>
+          <a:xfrm>
+            <a:off x="6998944" y="2078007"/>
+            <a:ext cx="7200000" cy="6965067"/>
+          </a:xfrm>
+        </p:spPr>
+      </p:pic>
     </p:spTree>
     <p:extLst>
       <p:ext uri="{BB962C8B-B14F-4D97-AF65-F5344CB8AC3E}">
-        <p14:creationId xmlns:p14="http://schemas.microsoft.com/office/powerpoint/2010/main" val="1010326688"/>
+        <p14:creationId xmlns:p14="http://schemas.microsoft.com/office/powerpoint/2010/main" val="461569191"/>
       </p:ext>
     </p:extLst>
   </p:cSld>
@@ -3640,45 +3692,44 @@
           <a:p>
             <a:r>
               <a:rPr lang="en-US" dirty="0" smtClean="0"/>
-              <a:t>Campaign effectiveness by region and product</a:t>
+              <a:t>Campaign effectiveness</a:t>
             </a:r>
             <a:endParaRPr lang="en-US" dirty="0"/>
           </a:p>
         </p:txBody>
       </p:sp>
-      <p:pic>
-        <p:nvPicPr>
-          <p:cNvPr id="4" name="Marcador de contenido 3"/>
-          <p:cNvPicPr>
-            <a:picLocks noGrp="1" noChangeAspect="1"/>
-          </p:cNvPicPr>
-          <p:nvPr>
-            <p:ph sz="quarter" idx="11"/>
-          </p:nvPr>
-        </p:nvPicPr>
-        <p:blipFill>
-          <a:blip r:embed="rId2">
-            <a:extLst>
-              <a:ext uri="{28A0092B-C50C-407E-A947-70E740481C1C}">
-                <a14:useLocalDpi xmlns:a14="http://schemas.microsoft.com/office/drawing/2010/main" val="0"/>
-              </a:ext>
-            </a:extLst>
-          </a:blip>
-          <a:stretch>
-            <a:fillRect/>
-          </a:stretch>
-        </p:blipFill>
-        <p:spPr>
-          <a:xfrm>
-            <a:off x="5198944" y="2084102"/>
-            <a:ext cx="10800000" cy="7837055"/>
-          </a:xfrm>
-        </p:spPr>
-      </p:pic>
+      <p:sp>
+        <p:nvSpPr>
+          <p:cNvPr id="3" name="Marcador de texto 2"/>
+          <p:cNvSpPr>
+            <a:spLocks noGrp="1"/>
+          </p:cNvSpPr>
+          <p:nvPr>
+            <p:ph type="body" sz="quarter" idx="11"/>
+          </p:nvPr>
+        </p:nvSpPr>
+        <p:spPr>
+          <a:xfrm>
+            <a:off x="3792921" y="5039102"/>
+            <a:ext cx="11259510" cy="685800"/>
+          </a:xfrm>
+        </p:spPr>
+        <p:txBody>
+          <a:bodyPr/>
+          <a:lstStyle/>
+          <a:p>
+            <a:r>
+              <a:rPr lang="en-US" dirty="0" smtClean="0"/>
+              <a:t>Multivariate analysis</a:t>
+            </a:r>
+            <a:endParaRPr lang="en-US" dirty="0"/>
+          </a:p>
+        </p:txBody>
+      </p:sp>
     </p:spTree>
     <p:extLst>
       <p:ext uri="{BB962C8B-B14F-4D97-AF65-F5344CB8AC3E}">
-        <p14:creationId xmlns:p14="http://schemas.microsoft.com/office/powerpoint/2010/main" val="1451054079"/>
+        <p14:creationId xmlns:p14="http://schemas.microsoft.com/office/powerpoint/2010/main" val="1010326688"/>
       </p:ext>
     </p:extLst>
   </p:cSld>
@@ -3728,19 +3779,9 @@
           <a:lstStyle/>
           <a:p>
             <a:r>
-              <a:rPr lang="en-US" dirty="0"/>
-              <a:t>Campaign effectiveness by </a:t>
-            </a:r>
-            <a:r>
-              <a:rPr lang="en-US" dirty="0" smtClean="0"/>
-              <a:t>channel and </a:t>
-            </a:r>
-            <a:r>
-              <a:rPr lang="en-US" dirty="0"/>
-              <a:t>product</a:t>
-            </a:r>
-          </a:p>
-          <a:p>
+              <a:rPr lang="en-US" dirty="0" smtClean="0"/>
+              <a:t>Campaign effectiveness by region and product</a:t>
+            </a:r>
             <a:endParaRPr lang="en-US" dirty="0"/>
           </a:p>
         </p:txBody>
@@ -3769,15 +3810,15 @@
         </p:blipFill>
         <p:spPr>
           <a:xfrm>
-            <a:off x="5198944" y="2092484"/>
-            <a:ext cx="10800000" cy="7760095"/>
+            <a:off x="5198944" y="2084102"/>
+            <a:ext cx="10800000" cy="7837055"/>
           </a:xfrm>
         </p:spPr>
       </p:pic>
     </p:spTree>
     <p:extLst>
       <p:ext uri="{BB962C8B-B14F-4D97-AF65-F5344CB8AC3E}">
-        <p14:creationId xmlns:p14="http://schemas.microsoft.com/office/powerpoint/2010/main" val="59655403"/>
+        <p14:creationId xmlns:p14="http://schemas.microsoft.com/office/powerpoint/2010/main" val="1451054079"/>
       </p:ext>
     </p:extLst>
   </p:cSld>
@@ -3827,18 +3868,17 @@
           <a:lstStyle/>
           <a:p>
             <a:r>
-              <a:rPr lang="en-US" dirty="0" smtClean="0"/>
-              <a:t>Revenue by </a:t>
-            </a:r>
-            <a:r>
               <a:rPr lang="en-US" dirty="0"/>
-              <a:t>region and </a:t>
-            </a:r>
-            <a:r>
-              <a:rPr lang="en-US" dirty="0" smtClean="0"/>
-              <a:t>channel</a:t>
-            </a:r>
-            <a:endParaRPr lang="en-US" dirty="0"/>
+              <a:t>Campaign effectiveness by </a:t>
+            </a:r>
+            <a:r>
+              <a:rPr lang="en-US" dirty="0" smtClean="0"/>
+              <a:t>channel and </a:t>
+            </a:r>
+            <a:r>
+              <a:rPr lang="en-US" dirty="0"/>
+              <a:t>product</a:t>
+            </a:r>
           </a:p>
           <a:p>
             <a:endParaRPr lang="en-US" dirty="0"/>
@@ -3869,15 +3909,15 @@
         </p:blipFill>
         <p:spPr>
           <a:xfrm>
-            <a:off x="5198944" y="2065052"/>
-            <a:ext cx="10800000" cy="7717895"/>
+            <a:off x="5198944" y="2092484"/>
+            <a:ext cx="10800000" cy="7760095"/>
           </a:xfrm>
         </p:spPr>
       </p:pic>
     </p:spTree>
     <p:extLst>
       <p:ext uri="{BB962C8B-B14F-4D97-AF65-F5344CB8AC3E}">
-        <p14:creationId xmlns:p14="http://schemas.microsoft.com/office/powerpoint/2010/main" val="1900978719"/>
+        <p14:creationId xmlns:p14="http://schemas.microsoft.com/office/powerpoint/2010/main" val="59655403"/>
       </p:ext>
     </p:extLst>
   </p:cSld>
@@ -3928,8 +3968,19 @@
           <a:p>
             <a:r>
               <a:rPr lang="en-US" dirty="0" smtClean="0"/>
-              <a:t>Highest revenue campaigns by start date</a:t>
-            </a:r>
+              <a:t>Revenue by </a:t>
+            </a:r>
+            <a:r>
+              <a:rPr lang="en-US" dirty="0"/>
+              <a:t>region and </a:t>
+            </a:r>
+            <a:r>
+              <a:rPr lang="en-US" dirty="0" smtClean="0"/>
+              <a:t>channel</a:t>
+            </a:r>
+            <a:endParaRPr lang="en-US" dirty="0"/>
+          </a:p>
+          <a:p>
             <a:endParaRPr lang="en-US" dirty="0"/>
           </a:p>
         </p:txBody>
@@ -3958,15 +4009,15 @@
         </p:blipFill>
         <p:spPr>
           <a:xfrm>
-            <a:off x="3886200" y="3063407"/>
-            <a:ext cx="13425488" cy="4923773"/>
+            <a:off x="5198944" y="2065052"/>
+            <a:ext cx="10800000" cy="7717895"/>
           </a:xfrm>
         </p:spPr>
       </p:pic>
     </p:spTree>
     <p:extLst>
       <p:ext uri="{BB962C8B-B14F-4D97-AF65-F5344CB8AC3E}">
-        <p14:creationId xmlns:p14="http://schemas.microsoft.com/office/powerpoint/2010/main" val="1930452708"/>
+        <p14:creationId xmlns:p14="http://schemas.microsoft.com/office/powerpoint/2010/main" val="1900978719"/>
       </p:ext>
     </p:extLst>
   </p:cSld>
@@ -3986,14 +4037,6 @@
 <file path=ppt/slides/slide2.xml><?xml version="1.0" encoding="utf-8"?>
 <p:sld xmlns:a="http://schemas.openxmlformats.org/drawingml/2006/main" xmlns:r="http://schemas.openxmlformats.org/officeDocument/2006/relationships" xmlns:p="http://schemas.openxmlformats.org/presentationml/2006/main">
   <p:cSld>
-    <p:bg>
-      <p:bgPr>
-        <a:solidFill>
-          <a:srgbClr val="F4F4F4"/>
-        </a:solidFill>
-        <a:effectLst/>
-      </p:bgPr>
-    </p:bg>
     <p:spTree>
       <p:nvGrpSpPr>
         <p:cNvPr id="1" name=""/>
@@ -4028,17 +4071,6 @@
           <a:bodyPr/>
           <a:lstStyle/>
           <a:p>
-            <a:pPr>
-              <a:lnSpc>
-                <a:spcPct val="150000"/>
-              </a:lnSpc>
-            </a:pPr>
-            <a:r>
-              <a:rPr lang="en-US" sz="2400" dirty="0" smtClean="0"/>
-              <a:t>Dataset contains the following campaign information:</a:t>
-            </a:r>
-          </a:p>
-          <a:p>
             <a:pPr marL="800100" lvl="1" indent="-342900">
               <a:lnSpc>
                 <a:spcPct val="150000"/>
@@ -4052,7 +4084,7 @@
                 <a:ea typeface="Montserrat" charset="0"/>
                 <a:cs typeface="Montserrat" charset="0"/>
               </a:rPr>
-              <a:t>5000 campaigns</a:t>
+              <a:t>Provide an overview of the campaigns from 2023</a:t>
             </a:r>
           </a:p>
           <a:p>
@@ -4069,7 +4101,7 @@
                 <a:ea typeface="Montserrat" charset="0"/>
                 <a:cs typeface="Montserrat" charset="0"/>
               </a:rPr>
-              <a:t>Year 2023</a:t>
+              <a:t>Find correlation between variables (if any)</a:t>
             </a:r>
           </a:p>
           <a:p>
@@ -4081,20 +4113,12 @@
               <a:buChar char="•"/>
             </a:pPr>
             <a:r>
-              <a:rPr lang="en-US" sz="2400" dirty="0">
+              <a:rPr lang="en-US" sz="2400" dirty="0" smtClean="0">
                 <a:latin typeface="Montserrat" charset="0"/>
                 <a:ea typeface="Montserrat" charset="0"/>
                 <a:cs typeface="Montserrat" charset="0"/>
               </a:rPr>
-              <a:t>Regions: Kuala </a:t>
-            </a:r>
-            <a:r>
-              <a:rPr lang="en-US" sz="2400" dirty="0" smtClean="0">
-                <a:latin typeface="Montserrat" charset="0"/>
-                <a:ea typeface="Montserrat" charset="0"/>
-                <a:cs typeface="Montserrat" charset="0"/>
-              </a:rPr>
-              <a:t>Lumpur, Sarawak, Penang, Johor, Sabah, Malacca</a:t>
+              <a:t>See how different variables behave across regions, channels, etc.</a:t>
             </a:r>
           </a:p>
           <a:p>
@@ -4106,29 +4130,27 @@
               <a:buChar char="•"/>
             </a:pPr>
             <a:r>
+              <a:rPr lang="en-US" sz="2400" dirty="0">
+                <a:latin typeface="Montserrat" charset="0"/>
+                <a:ea typeface="Montserrat" charset="0"/>
+                <a:cs typeface="Montserrat" charset="0"/>
+              </a:rPr>
+              <a:t>Identify both opportunities and </a:t>
+            </a:r>
+            <a:r>
               <a:rPr lang="en-US" sz="2400" dirty="0" smtClean="0">
                 <a:latin typeface="Montserrat" charset="0"/>
                 <a:ea typeface="Montserrat" charset="0"/>
                 <a:cs typeface="Montserrat" charset="0"/>
               </a:rPr>
-              <a:t>Covers different channels and product categories</a:t>
-            </a:r>
-            <a:endParaRPr lang="en-US" sz="2400" dirty="0" smtClean="0">
+              <a:t>challenges</a:t>
+            </a:r>
+            <a:endParaRPr lang="en-US" sz="2400" dirty="0">
               <a:latin typeface="Montserrat" charset="0"/>
               <a:ea typeface="Montserrat" charset="0"/>
               <a:cs typeface="Montserrat" charset="0"/>
             </a:endParaRPr>
           </a:p>
-          <a:p>
-            <a:pPr marL="285750" indent="-285750">
-              <a:lnSpc>
-                <a:spcPct val="150000"/>
-              </a:lnSpc>
-              <a:buFont typeface="Arial" charset="0"/>
-              <a:buChar char="•"/>
-            </a:pPr>
-            <a:endParaRPr lang="en-US" sz="2400" dirty="0"/>
-          </a:p>
         </p:txBody>
       </p:sp>
       <p:sp>
@@ -4153,7 +4175,7 @@
           <a:p>
             <a:r>
               <a:rPr lang="en-US" dirty="0" smtClean="0"/>
-              <a:t>Campaign Data</a:t>
+              <a:t>Objectives</a:t>
             </a:r>
             <a:endParaRPr lang="en-US" dirty="0"/>
           </a:p>
@@ -4209,7 +4231,7 @@
     </p:spTree>
     <p:extLst>
       <p:ext uri="{BB962C8B-B14F-4D97-AF65-F5344CB8AC3E}">
-        <p14:creationId xmlns:p14="http://schemas.microsoft.com/office/powerpoint/2010/main" val="2136769783"/>
+        <p14:creationId xmlns:p14="http://schemas.microsoft.com/office/powerpoint/2010/main" val="1020886808"/>
       </p:ext>
     </p:extLst>
   </p:cSld>
@@ -4253,52 +4275,52 @@
             <p:ph type="body" sz="quarter" idx="10"/>
           </p:nvPr>
         </p:nvSpPr>
-        <p:spPr>
-          <a:xfrm>
-            <a:off x="3792920" y="4295417"/>
-            <a:ext cx="10331293" cy="488950"/>
-          </a:xfrm>
-        </p:spPr>
+        <p:spPr/>
         <p:txBody>
           <a:bodyPr/>
           <a:lstStyle/>
           <a:p>
-            <a:endParaRPr lang="es-ES_tradnl" dirty="0"/>
-          </a:p>
-        </p:txBody>
-      </p:sp>
-      <p:sp>
-        <p:nvSpPr>
-          <p:cNvPr id="3" name="Marcador de texto 2"/>
-          <p:cNvSpPr>
-            <a:spLocks noGrp="1"/>
-          </p:cNvSpPr>
-          <p:nvPr>
-            <p:ph type="body" sz="quarter" idx="11"/>
-          </p:nvPr>
-        </p:nvSpPr>
-        <p:spPr>
-          <a:xfrm>
-            <a:off x="3792920" y="5039102"/>
-            <a:ext cx="13758479" cy="685800"/>
-          </a:xfrm>
-        </p:spPr>
-        <p:txBody>
-          <a:bodyPr/>
-          <a:lstStyle/>
-          <a:p>
-            <a:r>
-              <a:rPr lang="en-US" dirty="0" smtClean="0"/>
-              <a:t>Conclusion and recommendations</a:t>
+            <a:r>
+              <a:rPr lang="en-US" dirty="0" smtClean="0"/>
+              <a:t>Highest revenue campaigns by start date</a:t>
             </a:r>
             <a:endParaRPr lang="en-US" dirty="0"/>
           </a:p>
         </p:txBody>
       </p:sp>
+      <p:pic>
+        <p:nvPicPr>
+          <p:cNvPr id="4" name="Marcador de contenido 3"/>
+          <p:cNvPicPr>
+            <a:picLocks noGrp="1" noChangeAspect="1"/>
+          </p:cNvPicPr>
+          <p:nvPr>
+            <p:ph sz="quarter" idx="11"/>
+          </p:nvPr>
+        </p:nvPicPr>
+        <p:blipFill>
+          <a:blip r:embed="rId2">
+            <a:extLst>
+              <a:ext uri="{28A0092B-C50C-407E-A947-70E740481C1C}">
+                <a14:useLocalDpi xmlns:a14="http://schemas.microsoft.com/office/drawing/2010/main" val="0"/>
+              </a:ext>
+            </a:extLst>
+          </a:blip>
+          <a:stretch>
+            <a:fillRect/>
+          </a:stretch>
+        </p:blipFill>
+        <p:spPr>
+          <a:xfrm>
+            <a:off x="3886200" y="3063407"/>
+            <a:ext cx="13425488" cy="4923773"/>
+          </a:xfrm>
+        </p:spPr>
+      </p:pic>
     </p:spTree>
     <p:extLst>
       <p:ext uri="{BB962C8B-B14F-4D97-AF65-F5344CB8AC3E}">
-        <p14:creationId xmlns:p14="http://schemas.microsoft.com/office/powerpoint/2010/main" val="1853825332"/>
+        <p14:creationId xmlns:p14="http://schemas.microsoft.com/office/powerpoint/2010/main" val="1930452708"/>
       </p:ext>
     </p:extLst>
   </p:cSld>
@@ -4339,59 +4361,20 @@
             <a:spLocks noGrp="1"/>
           </p:cNvSpPr>
           <p:nvPr>
-            <p:ph type="body" sz="quarter" idx="12"/>
-          </p:nvPr>
-        </p:nvSpPr>
-        <p:spPr/>
+            <p:ph type="body" sz="quarter" idx="10"/>
+          </p:nvPr>
+        </p:nvSpPr>
+        <p:spPr>
+          <a:xfrm>
+            <a:off x="3792920" y="4295417"/>
+            <a:ext cx="10331293" cy="488950"/>
+          </a:xfrm>
+        </p:spPr>
         <p:txBody>
           <a:bodyPr/>
           <a:lstStyle/>
           <a:p>
-            <a:pPr marL="285750" indent="-285750">
-              <a:buFont typeface="Arial" charset="0"/>
-              <a:buChar char="•"/>
-            </a:pPr>
-            <a:r>
-              <a:rPr lang="en-US" dirty="0" smtClean="0"/>
-              <a:t>Most variables behave similarly across regions, products and channels.</a:t>
-            </a:r>
-          </a:p>
-          <a:p>
-            <a:pPr marL="285750" indent="-285750">
-              <a:buFont typeface="Arial" charset="0"/>
-              <a:buChar char="•"/>
-            </a:pPr>
-            <a:r>
-              <a:rPr lang="en-US" dirty="0" smtClean="0"/>
-              <a:t>With the current amount of data, there’s almost no correlation between the variables.</a:t>
-            </a:r>
-          </a:p>
-          <a:p>
-            <a:pPr marL="285750" indent="-285750">
-              <a:buFont typeface="Arial" charset="0"/>
-              <a:buChar char="•"/>
-            </a:pPr>
-            <a:r>
-              <a:rPr lang="en-US" dirty="0" smtClean="0"/>
-              <a:t>There are a lot of outliers in the data (review what happened in each case)</a:t>
-            </a:r>
-          </a:p>
-          <a:p>
-            <a:pPr marL="285750" indent="-285750">
-              <a:buFont typeface="Arial" charset="0"/>
-              <a:buChar char="•"/>
-            </a:pPr>
-            <a:r>
-              <a:rPr lang="en-US" dirty="0" smtClean="0"/>
-              <a:t>Something happened in July. It affected impressions, clicks and CTR.</a:t>
-            </a:r>
-          </a:p>
-          <a:p>
-            <a:pPr marL="285750" indent="-285750">
-              <a:buFont typeface="Arial" charset="0"/>
-              <a:buChar char="•"/>
-            </a:pPr>
-            <a:endParaRPr lang="en-US" dirty="0"/>
+            <a:endParaRPr lang="es-ES_tradnl" dirty="0"/>
           </a:p>
         </p:txBody>
       </p:sp>
@@ -4402,56 +4385,23 @@
             <a:spLocks noGrp="1"/>
           </p:cNvSpPr>
           <p:nvPr>
-            <p:ph type="body" sz="quarter" idx="16"/>
-          </p:nvPr>
-        </p:nvSpPr>
-        <p:spPr/>
+            <p:ph type="body" sz="quarter" idx="11"/>
+          </p:nvPr>
+        </p:nvSpPr>
+        <p:spPr>
+          <a:xfrm>
+            <a:off x="3792920" y="5039102"/>
+            <a:ext cx="13758479" cy="685800"/>
+          </a:xfrm>
+        </p:spPr>
         <p:txBody>
           <a:bodyPr/>
           <a:lstStyle/>
           <a:p>
             <a:r>
               <a:rPr lang="en-US" dirty="0" smtClean="0"/>
-              <a:t>Conclusion</a:t>
-            </a:r>
-            <a:endParaRPr lang="en-US" dirty="0"/>
-          </a:p>
-        </p:txBody>
-      </p:sp>
-      <p:sp>
-        <p:nvSpPr>
-          <p:cNvPr id="4" name="Marcador de texto 3"/>
-          <p:cNvSpPr>
-            <a:spLocks noGrp="1"/>
-          </p:cNvSpPr>
-          <p:nvPr>
-            <p:ph type="body" sz="quarter" idx="15"/>
-          </p:nvPr>
-        </p:nvSpPr>
-        <p:spPr/>
-        <p:txBody>
-          <a:bodyPr/>
-          <a:lstStyle/>
-          <a:p>
-            <a:endParaRPr lang="en-US" dirty="0"/>
-          </a:p>
-        </p:txBody>
-      </p:sp>
-      <p:sp>
-        <p:nvSpPr>
-          <p:cNvPr id="5" name="Marcador de texto 4"/>
-          <p:cNvSpPr>
-            <a:spLocks noGrp="1"/>
-          </p:cNvSpPr>
-          <p:nvPr>
-            <p:ph type="body" sz="quarter" idx="13"/>
-          </p:nvPr>
-        </p:nvSpPr>
-        <p:spPr/>
-        <p:txBody>
-          <a:bodyPr/>
-          <a:lstStyle/>
-          <a:p>
+              <a:t>Conclusion and recommendations</a:t>
+            </a:r>
             <a:endParaRPr lang="en-US" dirty="0"/>
           </a:p>
         </p:txBody>
@@ -4459,7 +4409,7 @@
     </p:spTree>
     <p:extLst>
       <p:ext uri="{BB962C8B-B14F-4D97-AF65-F5344CB8AC3E}">
-        <p14:creationId xmlns:p14="http://schemas.microsoft.com/office/powerpoint/2010/main" val="115111535"/>
+        <p14:creationId xmlns:p14="http://schemas.microsoft.com/office/powerpoint/2010/main" val="1853825332"/>
       </p:ext>
     </p:extLst>
   </p:cSld>
@@ -4493,38 +4443,9 @@
           <a:chExt cx="0" cy="0"/>
         </a:xfrm>
       </p:grpSpPr>
-      <p:pic>
-        <p:nvPicPr>
-          <p:cNvPr id="7" name="Marcador de contenido 6"/>
-          <p:cNvPicPr>
-            <a:picLocks noGrp="1" noChangeAspect="1"/>
-          </p:cNvPicPr>
-          <p:nvPr>
-            <p:ph sz="quarter" idx="10"/>
-          </p:nvPr>
-        </p:nvPicPr>
-        <p:blipFill>
-          <a:blip r:embed="rId2">
-            <a:extLst>
-              <a:ext uri="{28A0092B-C50C-407E-A947-70E740481C1C}">
-                <a14:useLocalDpi xmlns:a14="http://schemas.microsoft.com/office/drawing/2010/main" val="0"/>
-              </a:ext>
-            </a:extLst>
-          </a:blip>
-          <a:stretch>
-            <a:fillRect/>
-          </a:stretch>
-        </p:blipFill>
-        <p:spPr>
-          <a:xfrm>
-            <a:off x="11887200" y="4082508"/>
-            <a:ext cx="6400800" cy="2121983"/>
-          </a:xfrm>
-        </p:spPr>
-      </p:pic>
-      <p:sp>
-        <p:nvSpPr>
-          <p:cNvPr id="3" name="Marcador de texto 2"/>
+      <p:sp>
+        <p:nvSpPr>
+          <p:cNvPr id="2" name="Marcador de texto 1"/>
           <p:cNvSpPr>
             <a:spLocks noGrp="1"/>
           </p:cNvSpPr>
@@ -4532,164 +4453,52 @@
             <p:ph type="body" sz="quarter" idx="12"/>
           </p:nvPr>
         </p:nvSpPr>
-        <p:spPr>
-          <a:xfrm>
-            <a:off x="3825874" y="5543550"/>
-            <a:ext cx="5921375" cy="4324350"/>
-          </a:xfrm>
-        </p:spPr>
+        <p:spPr/>
         <p:txBody>
           <a:bodyPr/>
           <a:lstStyle/>
           <a:p>
-            <a:r>
-              <a:rPr lang="en-US" dirty="0" smtClean="0"/>
-              <a:t>Opportunity:</a:t>
-            </a:r>
-          </a:p>
-          <a:p>
-            <a:pPr marL="342900" indent="-342900">
+            <a:pPr marL="285750" indent="-285750">
               <a:buFont typeface="Arial" charset="0"/>
               <a:buChar char="•"/>
             </a:pPr>
             <a:r>
               <a:rPr lang="en-US" dirty="0" smtClean="0"/>
-              <a:t>Explore </a:t>
-            </a:r>
-            <a:r>
-              <a:rPr lang="en-US" dirty="0"/>
-              <a:t>the </a:t>
-            </a:r>
-            <a:r>
-              <a:rPr lang="en-US" dirty="0" smtClean="0"/>
-              <a:t>Malaccan territory</a:t>
-            </a:r>
-          </a:p>
-          <a:p>
-            <a:pPr marL="342900" indent="-342900">
+              <a:t>Most variables behave similarly across regions, products and channels.</a:t>
+            </a:r>
+          </a:p>
+          <a:p>
+            <a:pPr marL="285750" indent="-285750">
               <a:buFont typeface="Arial" charset="0"/>
               <a:buChar char="•"/>
             </a:pPr>
             <a:r>
               <a:rPr lang="en-US" dirty="0" smtClean="0"/>
-              <a:t>Advertise through social media and TV</a:t>
-            </a:r>
-          </a:p>
-          <a:p>
-            <a:pPr marL="342900" indent="-342900">
+              <a:t>With the current amount of data, there’s almost no correlation between the variables.</a:t>
+            </a:r>
+          </a:p>
+          <a:p>
+            <a:pPr marL="285750" indent="-285750">
               <a:buFont typeface="Arial" charset="0"/>
               <a:buChar char="•"/>
             </a:pPr>
             <a:r>
               <a:rPr lang="en-US" dirty="0" smtClean="0"/>
-              <a:t>Fashion and electronics</a:t>
-            </a:r>
-          </a:p>
-          <a:p>
-            <a:pPr marL="342900" indent="-342900">
+              <a:t>There are a lot of outliers in the data (review what happened in each case)</a:t>
+            </a:r>
+          </a:p>
+          <a:p>
+            <a:pPr marL="285750" indent="-285750">
               <a:buFont typeface="Arial" charset="0"/>
               <a:buChar char="•"/>
             </a:pPr>
             <a:r>
               <a:rPr lang="en-US" dirty="0" smtClean="0"/>
-              <a:t>Months: July – August</a:t>
-            </a:r>
-          </a:p>
-          <a:p>
-            <a:pPr marL="342900" indent="-342900">
-              <a:buFont typeface="Arial" charset="0"/>
-              <a:buChar char="•"/>
-            </a:pPr>
-            <a:r>
-              <a:rPr lang="en-US" dirty="0" smtClean="0"/>
-              <a:t>Average Budget</a:t>
-            </a:r>
-            <a:r>
-              <a:rPr lang="en-US" dirty="0"/>
-              <a:t>: </a:t>
-            </a:r>
-            <a:r>
-              <a:rPr lang="en-US" dirty="0" smtClean="0"/>
-              <a:t>1230550</a:t>
-            </a:r>
-          </a:p>
-          <a:p>
-            <a:pPr marL="342900" indent="-342900">
-              <a:buFont typeface="Arial" charset="0"/>
-              <a:buChar char="•"/>
-            </a:pPr>
-            <a:r>
-              <a:rPr lang="en-US" dirty="0" smtClean="0"/>
-              <a:t>Average Duration</a:t>
-            </a:r>
-            <a:r>
-              <a:rPr lang="en-US" dirty="0"/>
-              <a:t>: </a:t>
-            </a:r>
-            <a:r>
-              <a:rPr lang="en-US" dirty="0" smtClean="0"/>
-              <a:t>203</a:t>
-            </a:r>
-          </a:p>
-          <a:p>
-            <a:pPr marL="342900" indent="-342900">
-              <a:buFont typeface="Arial" charset="0"/>
-              <a:buChar char="•"/>
-            </a:pPr>
-            <a:r>
-              <a:rPr lang="en-US" dirty="0"/>
-              <a:t>Average Revenue: </a:t>
-            </a:r>
-            <a:r>
-              <a:rPr lang="en-US" dirty="0" smtClean="0"/>
-              <a:t>4526300</a:t>
-            </a:r>
-          </a:p>
-          <a:p>
-            <a:pPr marL="342900" indent="-342900">
-              <a:buFont typeface="Arial" charset="0"/>
-              <a:buChar char="•"/>
-            </a:pPr>
-            <a:r>
-              <a:rPr lang="en-US" dirty="0" smtClean="0"/>
-              <a:t>Average ROI</a:t>
-            </a:r>
-            <a:r>
-              <a:rPr lang="en-US" dirty="0"/>
-              <a:t>: 2.52</a:t>
-            </a:r>
-            <a:endParaRPr lang="en-US" dirty="0" smtClean="0"/>
-          </a:p>
-          <a:p>
-            <a:pPr marL="342900" indent="-342900">
-              <a:buFont typeface="Arial" charset="0"/>
-              <a:buChar char="•"/>
-            </a:pPr>
-            <a:endParaRPr lang="en-US" dirty="0" smtClean="0"/>
-          </a:p>
-          <a:p>
-            <a:pPr marL="342900" indent="-342900">
-              <a:buFont typeface="Arial" charset="0"/>
-              <a:buChar char="•"/>
-            </a:pPr>
-            <a:endParaRPr lang="en-US" dirty="0" smtClean="0"/>
-          </a:p>
-          <a:p>
-            <a:pPr marL="342900" indent="-342900">
-              <a:buFont typeface="Arial" charset="0"/>
-              <a:buChar char="•"/>
-            </a:pPr>
-            <a:endParaRPr lang="en-US" dirty="0" smtClean="0"/>
-          </a:p>
-          <a:p>
-            <a:pPr marL="342900" indent="-342900">
-              <a:buFont typeface="Arial" charset="0"/>
-              <a:buChar char="•"/>
-            </a:pPr>
-            <a:endParaRPr lang="en-US" dirty="0" smtClean="0"/>
-          </a:p>
-          <a:p>
-            <a:pPr marL="342900" indent="-342900">
+              <a:t>Something happened in July. It affected impressions, clicks and CTR.</a:t>
+            </a:r>
+          </a:p>
+          <a:p>
+            <a:pPr marL="285750" indent="-285750">
               <a:buFont typeface="Arial" charset="0"/>
               <a:buChar char="•"/>
             </a:pPr>
@@ -4699,11 +4508,53 @@
       </p:sp>
       <p:sp>
         <p:nvSpPr>
+          <p:cNvPr id="3" name="Marcador de texto 2"/>
+          <p:cNvSpPr>
+            <a:spLocks noGrp="1"/>
+          </p:cNvSpPr>
+          <p:nvPr>
+            <p:ph type="body" sz="quarter" idx="16"/>
+          </p:nvPr>
+        </p:nvSpPr>
+        <p:spPr/>
+        <p:txBody>
+          <a:bodyPr/>
+          <a:lstStyle/>
+          <a:p>
+            <a:r>
+              <a:rPr lang="en-US" dirty="0" smtClean="0"/>
+              <a:t>Conclusion</a:t>
+            </a:r>
+            <a:endParaRPr lang="en-US" dirty="0"/>
+          </a:p>
+        </p:txBody>
+      </p:sp>
+      <p:sp>
+        <p:nvSpPr>
           <p:cNvPr id="4" name="Marcador de texto 3"/>
           <p:cNvSpPr>
             <a:spLocks noGrp="1"/>
           </p:cNvSpPr>
           <p:nvPr>
+            <p:ph type="body" sz="quarter" idx="15"/>
+          </p:nvPr>
+        </p:nvSpPr>
+        <p:spPr/>
+        <p:txBody>
+          <a:bodyPr/>
+          <a:lstStyle/>
+          <a:p>
+            <a:endParaRPr lang="en-US" dirty="0"/>
+          </a:p>
+        </p:txBody>
+      </p:sp>
+      <p:sp>
+        <p:nvSpPr>
+          <p:cNvPr id="5" name="Marcador de texto 4"/>
+          <p:cNvSpPr>
+            <a:spLocks noGrp="1"/>
+          </p:cNvSpPr>
+          <p:nvPr>
             <p:ph type="body" sz="quarter" idx="13"/>
           </p:nvPr>
         </p:nvSpPr>
@@ -4712,102 +4563,14 @@
           <a:bodyPr/>
           <a:lstStyle/>
           <a:p>
-            <a:endParaRPr lang="en-US"/>
-          </a:p>
-        </p:txBody>
-      </p:sp>
-      <p:sp>
-        <p:nvSpPr>
-          <p:cNvPr id="5" name="Marcador de texto 4"/>
-          <p:cNvSpPr>
-            <a:spLocks noGrp="1"/>
-          </p:cNvSpPr>
-          <p:nvPr>
-            <p:ph type="body" sz="quarter" idx="15"/>
-          </p:nvPr>
-        </p:nvSpPr>
-        <p:spPr/>
-        <p:txBody>
-          <a:bodyPr/>
-          <a:lstStyle/>
-          <a:p>
             <a:endParaRPr lang="en-US" dirty="0"/>
-          </a:p>
-        </p:txBody>
-      </p:sp>
-      <p:sp>
-        <p:nvSpPr>
-          <p:cNvPr id="6" name="Marcador de texto 5"/>
-          <p:cNvSpPr>
-            <a:spLocks noGrp="1"/>
-          </p:cNvSpPr>
-          <p:nvPr>
-            <p:ph type="body" sz="quarter" idx="16"/>
-          </p:nvPr>
-        </p:nvSpPr>
-        <p:spPr/>
-        <p:txBody>
-          <a:bodyPr/>
-          <a:lstStyle/>
-          <a:p>
-            <a:r>
-              <a:rPr lang="en-US" dirty="0" smtClean="0"/>
-              <a:t>Recommendations</a:t>
-            </a:r>
-            <a:endParaRPr lang="en-US" dirty="0"/>
-          </a:p>
-        </p:txBody>
-      </p:sp>
-      <p:sp>
-        <p:nvSpPr>
-          <p:cNvPr id="8" name="Rectángulo 7"/>
-          <p:cNvSpPr/>
-          <p:nvPr/>
-        </p:nvSpPr>
-        <p:spPr>
-          <a:xfrm>
-            <a:off x="10155411" y="0"/>
-            <a:ext cx="1562100" cy="10287000"/>
-          </a:xfrm>
-          <a:prstGeom prst="rect">
-            <a:avLst/>
-          </a:prstGeom>
-          <a:solidFill>
-            <a:srgbClr val="F4F4F4"/>
-          </a:solidFill>
-          <a:ln>
-            <a:noFill/>
-          </a:ln>
-        </p:spPr>
-        <p:style>
-          <a:lnRef idx="2">
-            <a:schemeClr val="accent1">
-              <a:shade val="50000"/>
-            </a:schemeClr>
-          </a:lnRef>
-          <a:fillRef idx="1">
-            <a:schemeClr val="accent1"/>
-          </a:fillRef>
-          <a:effectRef idx="0">
-            <a:schemeClr val="accent1"/>
-          </a:effectRef>
-          <a:fontRef idx="minor">
-            <a:schemeClr val="lt1"/>
-          </a:fontRef>
-        </p:style>
-        <p:txBody>
-          <a:bodyPr rtlCol="0" anchor="ctr"/>
-          <a:lstStyle/>
-          <a:p>
-            <a:pPr algn="ctr"/>
-            <a:endParaRPr lang="en-US"/>
           </a:p>
         </p:txBody>
       </p:sp>
     </p:spTree>
     <p:extLst>
       <p:ext uri="{BB962C8B-B14F-4D97-AF65-F5344CB8AC3E}">
-        <p14:creationId xmlns:p14="http://schemas.microsoft.com/office/powerpoint/2010/main" val="1909856743"/>
+        <p14:creationId xmlns:p14="http://schemas.microsoft.com/office/powerpoint/2010/main" val="115111535"/>
       </p:ext>
     </p:extLst>
   </p:cSld>
@@ -4841,6 +4604,336 @@
           <a:chExt cx="0" cy="0"/>
         </a:xfrm>
       </p:grpSpPr>
+      <p:pic>
+        <p:nvPicPr>
+          <p:cNvPr id="7" name="Marcador de contenido 6"/>
+          <p:cNvPicPr>
+            <a:picLocks noGrp="1" noChangeAspect="1"/>
+          </p:cNvPicPr>
+          <p:nvPr>
+            <p:ph sz="quarter" idx="10"/>
+          </p:nvPr>
+        </p:nvPicPr>
+        <p:blipFill>
+          <a:blip r:embed="rId2">
+            <a:extLst>
+              <a:ext uri="{28A0092B-C50C-407E-A947-70E740481C1C}">
+                <a14:useLocalDpi xmlns:a14="http://schemas.microsoft.com/office/drawing/2010/main" val="0"/>
+              </a:ext>
+            </a:extLst>
+          </a:blip>
+          <a:stretch>
+            <a:fillRect/>
+          </a:stretch>
+        </p:blipFill>
+        <p:spPr>
+          <a:xfrm>
+            <a:off x="11887200" y="4082508"/>
+            <a:ext cx="6400800" cy="2121983"/>
+          </a:xfrm>
+        </p:spPr>
+      </p:pic>
+      <p:sp>
+        <p:nvSpPr>
+          <p:cNvPr id="3" name="Marcador de texto 2"/>
+          <p:cNvSpPr>
+            <a:spLocks noGrp="1"/>
+          </p:cNvSpPr>
+          <p:nvPr>
+            <p:ph type="body" sz="quarter" idx="12"/>
+          </p:nvPr>
+        </p:nvSpPr>
+        <p:spPr>
+          <a:xfrm>
+            <a:off x="3825874" y="5543550"/>
+            <a:ext cx="5921375" cy="3695700"/>
+          </a:xfrm>
+        </p:spPr>
+        <p:txBody>
+          <a:bodyPr/>
+          <a:lstStyle/>
+          <a:p>
+            <a:r>
+              <a:rPr lang="en-US" dirty="0" smtClean="0"/>
+              <a:t>Opportunity:</a:t>
+            </a:r>
+          </a:p>
+          <a:p>
+            <a:pPr marL="342900" indent="-342900">
+              <a:buFont typeface="Arial" charset="0"/>
+              <a:buChar char="•"/>
+            </a:pPr>
+            <a:r>
+              <a:rPr lang="en-US" dirty="0" smtClean="0"/>
+              <a:t>Explore </a:t>
+            </a:r>
+            <a:r>
+              <a:rPr lang="en-US" dirty="0"/>
+              <a:t>the </a:t>
+            </a:r>
+            <a:r>
+              <a:rPr lang="en-US" dirty="0" smtClean="0"/>
+              <a:t>Malaccan territory</a:t>
+            </a:r>
+          </a:p>
+          <a:p>
+            <a:pPr marL="342900" indent="-342900">
+              <a:buFont typeface="Arial" charset="0"/>
+              <a:buChar char="•"/>
+            </a:pPr>
+            <a:r>
+              <a:rPr lang="en-US" dirty="0" smtClean="0"/>
+              <a:t>Advertise through social media and TV</a:t>
+            </a:r>
+          </a:p>
+          <a:p>
+            <a:pPr marL="342900" indent="-342900">
+              <a:buFont typeface="Arial" charset="0"/>
+              <a:buChar char="•"/>
+            </a:pPr>
+            <a:r>
+              <a:rPr lang="en-US" dirty="0" smtClean="0"/>
+              <a:t>Fashion and electronics</a:t>
+            </a:r>
+          </a:p>
+          <a:p>
+            <a:pPr marL="342900" indent="-342900">
+              <a:buFont typeface="Arial" charset="0"/>
+              <a:buChar char="•"/>
+            </a:pPr>
+            <a:r>
+              <a:rPr lang="en-US" dirty="0" smtClean="0"/>
+              <a:t>Months: June – August</a:t>
+            </a:r>
+          </a:p>
+          <a:p>
+            <a:pPr marL="342900" indent="-342900">
+              <a:buFont typeface="Arial" charset="0"/>
+              <a:buChar char="•"/>
+            </a:pPr>
+            <a:r>
+              <a:rPr lang="en-US" dirty="0" smtClean="0"/>
+              <a:t>Average Budget</a:t>
+            </a:r>
+            <a:r>
+              <a:rPr lang="en-US" dirty="0"/>
+              <a:t>: </a:t>
+            </a:r>
+            <a:r>
+              <a:rPr lang="en-US" dirty="0" smtClean="0"/>
+              <a:t>1230550</a:t>
+            </a:r>
+          </a:p>
+          <a:p>
+            <a:pPr marL="342900" indent="-342900">
+              <a:buFont typeface="Arial" charset="0"/>
+              <a:buChar char="•"/>
+            </a:pPr>
+            <a:r>
+              <a:rPr lang="en-US" dirty="0" smtClean="0"/>
+              <a:t>Average Duration</a:t>
+            </a:r>
+            <a:r>
+              <a:rPr lang="en-US" dirty="0"/>
+              <a:t>: </a:t>
+            </a:r>
+            <a:r>
+              <a:rPr lang="en-US" dirty="0" smtClean="0"/>
+              <a:t>203</a:t>
+            </a:r>
+          </a:p>
+          <a:p>
+            <a:pPr marL="342900" indent="-342900">
+              <a:buFont typeface="Arial" charset="0"/>
+              <a:buChar char="•"/>
+            </a:pPr>
+            <a:r>
+              <a:rPr lang="en-US" dirty="0"/>
+              <a:t>Average Revenue: </a:t>
+            </a:r>
+            <a:r>
+              <a:rPr lang="en-US" dirty="0" smtClean="0"/>
+              <a:t>4526300</a:t>
+            </a:r>
+          </a:p>
+          <a:p>
+            <a:pPr marL="342900" indent="-342900">
+              <a:buFont typeface="Arial" charset="0"/>
+              <a:buChar char="•"/>
+            </a:pPr>
+            <a:r>
+              <a:rPr lang="en-US" dirty="0" smtClean="0"/>
+              <a:t>Average ROI</a:t>
+            </a:r>
+            <a:r>
+              <a:rPr lang="en-US" dirty="0"/>
+              <a:t>: </a:t>
+            </a:r>
+            <a:r>
+              <a:rPr lang="en-US" dirty="0" smtClean="0"/>
+              <a:t>2.52</a:t>
+            </a:r>
+          </a:p>
+          <a:p>
+            <a:pPr marL="342900" indent="-342900">
+              <a:buFont typeface="Arial" charset="0"/>
+              <a:buChar char="•"/>
+            </a:pPr>
+            <a:endParaRPr lang="en-US" dirty="0" smtClean="0"/>
+          </a:p>
+          <a:p>
+            <a:pPr marL="342900" indent="-342900">
+              <a:buFont typeface="Arial" charset="0"/>
+              <a:buChar char="•"/>
+            </a:pPr>
+            <a:endParaRPr lang="en-US" dirty="0"/>
+          </a:p>
+        </p:txBody>
+      </p:sp>
+      <p:sp>
+        <p:nvSpPr>
+          <p:cNvPr id="4" name="Marcador de texto 3"/>
+          <p:cNvSpPr>
+            <a:spLocks noGrp="1"/>
+          </p:cNvSpPr>
+          <p:nvPr>
+            <p:ph type="body" sz="quarter" idx="13"/>
+          </p:nvPr>
+        </p:nvSpPr>
+        <p:spPr/>
+        <p:txBody>
+          <a:bodyPr/>
+          <a:lstStyle/>
+          <a:p>
+            <a:endParaRPr lang="en-US"/>
+          </a:p>
+        </p:txBody>
+      </p:sp>
+      <p:sp>
+        <p:nvSpPr>
+          <p:cNvPr id="5" name="Marcador de texto 4"/>
+          <p:cNvSpPr>
+            <a:spLocks noGrp="1"/>
+          </p:cNvSpPr>
+          <p:nvPr>
+            <p:ph type="body" sz="quarter" idx="15"/>
+          </p:nvPr>
+        </p:nvSpPr>
+        <p:spPr/>
+        <p:txBody>
+          <a:bodyPr/>
+          <a:lstStyle/>
+          <a:p>
+            <a:endParaRPr lang="en-US" dirty="0"/>
+          </a:p>
+        </p:txBody>
+      </p:sp>
+      <p:sp>
+        <p:nvSpPr>
+          <p:cNvPr id="6" name="Marcador de texto 5"/>
+          <p:cNvSpPr>
+            <a:spLocks noGrp="1"/>
+          </p:cNvSpPr>
+          <p:nvPr>
+            <p:ph type="body" sz="quarter" idx="16"/>
+          </p:nvPr>
+        </p:nvSpPr>
+        <p:spPr/>
+        <p:txBody>
+          <a:bodyPr/>
+          <a:lstStyle/>
+          <a:p>
+            <a:r>
+              <a:rPr lang="en-US" dirty="0" smtClean="0"/>
+              <a:t>Recommendations</a:t>
+            </a:r>
+            <a:endParaRPr lang="en-US" dirty="0"/>
+          </a:p>
+        </p:txBody>
+      </p:sp>
+      <p:sp>
+        <p:nvSpPr>
+          <p:cNvPr id="8" name="Rectángulo 7"/>
+          <p:cNvSpPr/>
+          <p:nvPr/>
+        </p:nvSpPr>
+        <p:spPr>
+          <a:xfrm>
+            <a:off x="10155411" y="0"/>
+            <a:ext cx="1562100" cy="10287000"/>
+          </a:xfrm>
+          <a:prstGeom prst="rect">
+            <a:avLst/>
+          </a:prstGeom>
+          <a:solidFill>
+            <a:srgbClr val="F4F4F4"/>
+          </a:solidFill>
+          <a:ln>
+            <a:noFill/>
+          </a:ln>
+        </p:spPr>
+        <p:style>
+          <a:lnRef idx="2">
+            <a:schemeClr val="accent1">
+              <a:shade val="50000"/>
+            </a:schemeClr>
+          </a:lnRef>
+          <a:fillRef idx="1">
+            <a:schemeClr val="accent1"/>
+          </a:fillRef>
+          <a:effectRef idx="0">
+            <a:schemeClr val="accent1"/>
+          </a:effectRef>
+          <a:fontRef idx="minor">
+            <a:schemeClr val="lt1"/>
+          </a:fontRef>
+        </p:style>
+        <p:txBody>
+          <a:bodyPr rtlCol="0" anchor="ctr"/>
+          <a:lstStyle/>
+          <a:p>
+            <a:pPr algn="ctr"/>
+            <a:endParaRPr lang="en-US"/>
+          </a:p>
+        </p:txBody>
+      </p:sp>
+    </p:spTree>
+    <p:extLst>
+      <p:ext uri="{BB962C8B-B14F-4D97-AF65-F5344CB8AC3E}">
+        <p14:creationId xmlns:p14="http://schemas.microsoft.com/office/powerpoint/2010/main" val="1909856743"/>
+      </p:ext>
+    </p:extLst>
+  </p:cSld>
+  <p:clrMapOvr>
+    <a:masterClrMapping/>
+  </p:clrMapOvr>
+  <p:timing>
+    <p:tnLst>
+      <p:par>
+        <p:cTn id="1" dur="indefinite" restart="never" nodeType="tmRoot"/>
+      </p:par>
+    </p:tnLst>
+  </p:timing>
+</p:sld>
+</file>
+
+<file path=ppt/slides/slide24.xml><?xml version="1.0" encoding="utf-8"?>
+<p:sld xmlns:a="http://schemas.openxmlformats.org/drawingml/2006/main" xmlns:r="http://schemas.openxmlformats.org/officeDocument/2006/relationships" xmlns:p="http://schemas.openxmlformats.org/presentationml/2006/main">
+  <p:cSld>
+    <p:spTree>
+      <p:nvGrpSpPr>
+        <p:cNvPr id="1" name=""/>
+        <p:cNvGrpSpPr/>
+        <p:nvPr/>
+      </p:nvGrpSpPr>
+      <p:grpSpPr>
+        <a:xfrm>
+          <a:off x="0" y="0"/>
+          <a:ext cx="0" cy="0"/>
+          <a:chOff x="0" y="0"/>
+          <a:chExt cx="0" cy="0"/>
+        </a:xfrm>
+      </p:grpSpPr>
       <p:sp>
         <p:nvSpPr>
           <p:cNvPr id="2" name="Marcador de texto 1"/>
@@ -4952,7 +5045,7 @@
 </p:sld>
 </file>
 
-<file path=ppt/slides/slide24.xml><?xml version="1.0" encoding="utf-8"?>
+<file path=ppt/slides/slide25.xml><?xml version="1.0" encoding="utf-8"?>
 <p:sld xmlns:a="http://schemas.openxmlformats.org/drawingml/2006/main" xmlns:r="http://schemas.openxmlformats.org/officeDocument/2006/relationships" xmlns:p="http://schemas.openxmlformats.org/presentationml/2006/main" show="0">
   <p:cSld>
     <p:spTree>
@@ -5100,6 +5193,14 @@
 <file path=ppt/slides/slide3.xml><?xml version="1.0" encoding="utf-8"?>
 <p:sld xmlns:a="http://schemas.openxmlformats.org/drawingml/2006/main" xmlns:r="http://schemas.openxmlformats.org/officeDocument/2006/relationships" xmlns:p="http://schemas.openxmlformats.org/presentationml/2006/main">
   <p:cSld>
+    <p:bg>
+      <p:bgPr>
+        <a:solidFill>
+          <a:srgbClr val="F4F4F4"/>
+        </a:solidFill>
+        <a:effectLst/>
+      </p:bgPr>
+    </p:bg>
     <p:spTree>
       <p:nvGrpSpPr>
         <p:cNvPr id="1" name=""/>
@@ -5121,7 +5222,186 @@
             <a:spLocks noGrp="1"/>
           </p:cNvSpPr>
           <p:nvPr>
-            <p:ph type="body" sz="quarter" idx="10"/>
+            <p:ph type="body" sz="quarter" idx="12"/>
+          </p:nvPr>
+        </p:nvSpPr>
+        <p:spPr>
+          <a:xfrm>
+            <a:off x="3800459" y="4683072"/>
+            <a:ext cx="11297653" cy="3317928"/>
+          </a:xfrm>
+        </p:spPr>
+        <p:txBody>
+          <a:bodyPr/>
+          <a:lstStyle/>
+          <a:p>
+            <a:pPr>
+              <a:lnSpc>
+                <a:spcPct val="150000"/>
+              </a:lnSpc>
+            </a:pPr>
+            <a:r>
+              <a:rPr lang="en-US" sz="2400" dirty="0" smtClean="0"/>
+              <a:t>Dataset contains the following campaign information:</a:t>
+            </a:r>
+          </a:p>
+          <a:p>
+            <a:pPr marL="800100" lvl="1" indent="-342900">
+              <a:lnSpc>
+                <a:spcPct val="150000"/>
+              </a:lnSpc>
+              <a:buFont typeface="Arial" charset="0"/>
+              <a:buChar char="•"/>
+            </a:pPr>
+            <a:r>
+              <a:rPr lang="en-US" sz="2400" dirty="0" smtClean="0">
+                <a:latin typeface="Montserrat" charset="0"/>
+                <a:ea typeface="Montserrat" charset="0"/>
+                <a:cs typeface="Montserrat" charset="0"/>
+              </a:rPr>
+              <a:t>5000 campaigns</a:t>
+            </a:r>
+          </a:p>
+          <a:p>
+            <a:pPr marL="800100" lvl="1" indent="-342900">
+              <a:lnSpc>
+                <a:spcPct val="150000"/>
+              </a:lnSpc>
+              <a:buFont typeface="Arial" charset="0"/>
+              <a:buChar char="•"/>
+            </a:pPr>
+            <a:r>
+              <a:rPr lang="en-US" sz="2400" dirty="0" smtClean="0">
+                <a:latin typeface="Montserrat" charset="0"/>
+                <a:ea typeface="Montserrat" charset="0"/>
+                <a:cs typeface="Montserrat" charset="0"/>
+              </a:rPr>
+              <a:t>Year 2023</a:t>
+            </a:r>
+          </a:p>
+          <a:p>
+            <a:pPr marL="800100" lvl="1" indent="-342900">
+              <a:lnSpc>
+                <a:spcPct val="150000"/>
+              </a:lnSpc>
+              <a:buFont typeface="Arial" charset="0"/>
+              <a:buChar char="•"/>
+            </a:pPr>
+            <a:r>
+              <a:rPr lang="en-US" sz="2400" dirty="0">
+                <a:latin typeface="Montserrat" charset="0"/>
+                <a:ea typeface="Montserrat" charset="0"/>
+                <a:cs typeface="Montserrat" charset="0"/>
+              </a:rPr>
+              <a:t>Regions: Kuala </a:t>
+            </a:r>
+            <a:r>
+              <a:rPr lang="en-US" sz="2400" dirty="0" smtClean="0">
+                <a:latin typeface="Montserrat" charset="0"/>
+                <a:ea typeface="Montserrat" charset="0"/>
+                <a:cs typeface="Montserrat" charset="0"/>
+              </a:rPr>
+              <a:t>Lumpur, Sarawak, Penang, Johor, Sabah, Malacca</a:t>
+            </a:r>
+          </a:p>
+          <a:p>
+            <a:pPr marL="800100" lvl="1" indent="-342900">
+              <a:lnSpc>
+                <a:spcPct val="150000"/>
+              </a:lnSpc>
+              <a:buFont typeface="Arial" charset="0"/>
+              <a:buChar char="•"/>
+            </a:pPr>
+            <a:r>
+              <a:rPr lang="en-US" sz="2400" dirty="0" smtClean="0">
+                <a:latin typeface="Montserrat" charset="0"/>
+                <a:ea typeface="Montserrat" charset="0"/>
+                <a:cs typeface="Montserrat" charset="0"/>
+              </a:rPr>
+              <a:t>Covers different channels and product categories</a:t>
+            </a:r>
+            <a:endParaRPr lang="en-US" sz="2400" dirty="0" smtClean="0">
+              <a:latin typeface="Montserrat" charset="0"/>
+              <a:ea typeface="Montserrat" charset="0"/>
+              <a:cs typeface="Montserrat" charset="0"/>
+            </a:endParaRPr>
+          </a:p>
+          <a:p>
+            <a:pPr marL="285750" indent="-285750">
+              <a:lnSpc>
+                <a:spcPct val="150000"/>
+              </a:lnSpc>
+              <a:buFont typeface="Arial" charset="0"/>
+              <a:buChar char="•"/>
+            </a:pPr>
+            <a:endParaRPr lang="en-US" sz="2400" dirty="0"/>
+          </a:p>
+        </p:txBody>
+      </p:sp>
+      <p:sp>
+        <p:nvSpPr>
+          <p:cNvPr id="3" name="Marcador de texto 2"/>
+          <p:cNvSpPr>
+            <a:spLocks noGrp="1"/>
+          </p:cNvSpPr>
+          <p:nvPr>
+            <p:ph type="body" sz="quarter" idx="16"/>
+          </p:nvPr>
+        </p:nvSpPr>
+        <p:spPr>
+          <a:xfrm>
+            <a:off x="3792710" y="3412211"/>
+            <a:ext cx="7384806" cy="606425"/>
+          </a:xfrm>
+        </p:spPr>
+        <p:txBody>
+          <a:bodyPr/>
+          <a:lstStyle/>
+          <a:p>
+            <a:r>
+              <a:rPr lang="en-US" dirty="0" smtClean="0"/>
+              <a:t>Campaign Data</a:t>
+            </a:r>
+            <a:endParaRPr lang="en-US" dirty="0"/>
+          </a:p>
+        </p:txBody>
+      </p:sp>
+      <p:sp>
+        <p:nvSpPr>
+          <p:cNvPr id="4" name="Marcador de texto 3"/>
+          <p:cNvSpPr>
+            <a:spLocks noGrp="1"/>
+          </p:cNvSpPr>
+          <p:nvPr>
+            <p:ph type="body" sz="quarter" idx="15"/>
+          </p:nvPr>
+        </p:nvSpPr>
+        <p:spPr>
+          <a:xfrm>
+            <a:off x="3792710" y="977755"/>
+            <a:ext cx="2198657" cy="183436"/>
+          </a:xfrm>
+        </p:spPr>
+        <p:txBody>
+          <a:bodyPr/>
+          <a:lstStyle/>
+          <a:p>
+            <a:r>
+              <a:rPr lang="en-US" dirty="0" smtClean="0"/>
+              <a:t>Overview</a:t>
+            </a:r>
+            <a:endParaRPr lang="en-US" dirty="0"/>
+          </a:p>
+        </p:txBody>
+      </p:sp>
+      <p:sp>
+        <p:nvSpPr>
+          <p:cNvPr id="5" name="Marcador de texto 4"/>
+          <p:cNvSpPr>
+            <a:spLocks noGrp="1"/>
+          </p:cNvSpPr>
+          <p:nvPr>
+            <p:ph type="body" sz="quarter" idx="13"/>
           </p:nvPr>
         </p:nvSpPr>
         <p:spPr/>
@@ -5129,38 +5409,6 @@
           <a:bodyPr/>
           <a:lstStyle/>
           <a:p>
-            <a:r>
-              <a:rPr lang="en-US" dirty="0" smtClean="0"/>
-              <a:t>Channels, products and regions</a:t>
-            </a:r>
-            <a:endParaRPr lang="en-US" dirty="0"/>
-          </a:p>
-        </p:txBody>
-      </p:sp>
-      <p:sp>
-        <p:nvSpPr>
-          <p:cNvPr id="3" name="Marcador de texto 2"/>
-          <p:cNvSpPr>
-            <a:spLocks noGrp="1"/>
-          </p:cNvSpPr>
-          <p:nvPr>
-            <p:ph type="body" sz="quarter" idx="11"/>
-          </p:nvPr>
-        </p:nvSpPr>
-        <p:spPr>
-          <a:xfrm>
-            <a:off x="3792921" y="5039102"/>
-            <a:ext cx="11259510" cy="685800"/>
-          </a:xfrm>
-        </p:spPr>
-        <p:txBody>
-          <a:bodyPr/>
-          <a:lstStyle/>
-          <a:p>
-            <a:r>
-              <a:rPr lang="en-US" dirty="0" smtClean="0"/>
-              <a:t>Univariate analysis</a:t>
-            </a:r>
             <a:endParaRPr lang="en-US" dirty="0"/>
           </a:p>
         </p:txBody>
@@ -5168,7 +5416,7 @@
     </p:spTree>
     <p:extLst>
       <p:ext uri="{BB962C8B-B14F-4D97-AF65-F5344CB8AC3E}">
-        <p14:creationId xmlns:p14="http://schemas.microsoft.com/office/powerpoint/2010/main" val="820430377"/>
+        <p14:creationId xmlns:p14="http://schemas.microsoft.com/office/powerpoint/2010/main" val="2136769783"/>
       </p:ext>
     </p:extLst>
   </p:cSld>
@@ -5219,45 +5467,44 @@
           <a:p>
             <a:r>
               <a:rPr lang="en-US" dirty="0" smtClean="0"/>
-              <a:t>Frequency of channel</a:t>
+              <a:t>Channels, products and regions</a:t>
             </a:r>
             <a:endParaRPr lang="en-US" dirty="0"/>
           </a:p>
         </p:txBody>
       </p:sp>
-      <p:pic>
-        <p:nvPicPr>
-          <p:cNvPr id="8" name="Marcador de contenido 7"/>
-          <p:cNvPicPr>
-            <a:picLocks noGrp="1" noChangeAspect="1"/>
-          </p:cNvPicPr>
-          <p:nvPr>
-            <p:ph sz="quarter" idx="11"/>
-          </p:nvPr>
-        </p:nvPicPr>
-        <p:blipFill>
-          <a:blip r:embed="rId2">
-            <a:extLst>
-              <a:ext uri="{28A0092B-C50C-407E-A947-70E740481C1C}">
-                <a14:useLocalDpi xmlns:a14="http://schemas.microsoft.com/office/drawing/2010/main" val="0"/>
-              </a:ext>
-            </a:extLst>
-          </a:blip>
-          <a:stretch>
-            <a:fillRect/>
-          </a:stretch>
-        </p:blipFill>
-        <p:spPr>
-          <a:xfrm>
-            <a:off x="5198944" y="2076482"/>
-            <a:ext cx="10800000" cy="6614201"/>
-          </a:xfrm>
-        </p:spPr>
-      </p:pic>
+      <p:sp>
+        <p:nvSpPr>
+          <p:cNvPr id="3" name="Marcador de texto 2"/>
+          <p:cNvSpPr>
+            <a:spLocks noGrp="1"/>
+          </p:cNvSpPr>
+          <p:nvPr>
+            <p:ph type="body" sz="quarter" idx="11"/>
+          </p:nvPr>
+        </p:nvSpPr>
+        <p:spPr>
+          <a:xfrm>
+            <a:off x="3792921" y="5039102"/>
+            <a:ext cx="11259510" cy="685800"/>
+          </a:xfrm>
+        </p:spPr>
+        <p:txBody>
+          <a:bodyPr/>
+          <a:lstStyle/>
+          <a:p>
+            <a:r>
+              <a:rPr lang="en-US" dirty="0" smtClean="0"/>
+              <a:t>Univariate analysis</a:t>
+            </a:r>
+            <a:endParaRPr lang="en-US" dirty="0"/>
+          </a:p>
+        </p:txBody>
+      </p:sp>
     </p:spTree>
     <p:extLst>
       <p:ext uri="{BB962C8B-B14F-4D97-AF65-F5344CB8AC3E}">
-        <p14:creationId xmlns:p14="http://schemas.microsoft.com/office/powerpoint/2010/main" val="1324854294"/>
+        <p14:creationId xmlns:p14="http://schemas.microsoft.com/office/powerpoint/2010/main" val="820430377"/>
       </p:ext>
     </p:extLst>
   </p:cSld>
@@ -5298,7 +5545,134 @@
             <a:spLocks noGrp="1"/>
           </p:cNvSpPr>
           <p:nvPr>
-            <p:ph type="body" sz="quarter" idx="10"/>
+            <p:ph type="body" sz="quarter" idx="12"/>
+          </p:nvPr>
+        </p:nvSpPr>
+        <p:spPr>
+          <a:xfrm>
+            <a:off x="5502932" y="4151443"/>
+            <a:ext cx="2952033" cy="4524723"/>
+          </a:xfrm>
+        </p:spPr>
+        <p:txBody>
+          <a:bodyPr/>
+          <a:lstStyle/>
+          <a:p>
+            <a:pPr marL="285750" indent="-285750">
+              <a:buFont typeface="Arial" charset="0"/>
+              <a:buChar char="•"/>
+            </a:pPr>
+            <a:r>
+              <a:rPr lang="en-US" dirty="0" smtClean="0"/>
+              <a:t>Kuala Lumpur</a:t>
+            </a:r>
+          </a:p>
+          <a:p>
+            <a:pPr marL="285750" indent="-285750">
+              <a:buFont typeface="Arial" charset="0"/>
+              <a:buChar char="•"/>
+            </a:pPr>
+            <a:r>
+              <a:rPr lang="en-US" dirty="0" smtClean="0"/>
+              <a:t>Sarawak</a:t>
+            </a:r>
+          </a:p>
+          <a:p>
+            <a:pPr marL="285750" indent="-285750">
+              <a:buFont typeface="Arial" charset="0"/>
+              <a:buChar char="•"/>
+            </a:pPr>
+            <a:r>
+              <a:rPr lang="en-US" dirty="0" smtClean="0"/>
+              <a:t>Sabah</a:t>
+            </a:r>
+          </a:p>
+          <a:p>
+            <a:pPr marL="285750" indent="-285750">
+              <a:buFont typeface="Arial" charset="0"/>
+              <a:buChar char="•"/>
+            </a:pPr>
+            <a:r>
+              <a:rPr lang="en-US" dirty="0" smtClean="0"/>
+              <a:t>Penang</a:t>
+            </a:r>
+          </a:p>
+          <a:p>
+            <a:pPr marL="285750" indent="-285750">
+              <a:buFont typeface="Arial" charset="0"/>
+              <a:buChar char="•"/>
+            </a:pPr>
+            <a:r>
+              <a:rPr lang="en-US" dirty="0" smtClean="0"/>
+              <a:t>Johor</a:t>
+            </a:r>
+          </a:p>
+          <a:p>
+            <a:pPr marL="285750" indent="-285750">
+              <a:buFont typeface="Arial" charset="0"/>
+              <a:buChar char="•"/>
+            </a:pPr>
+            <a:r>
+              <a:rPr lang="en-US" dirty="0" smtClean="0"/>
+              <a:t>Malacca</a:t>
+            </a:r>
+          </a:p>
+          <a:p>
+            <a:pPr marL="285750" indent="-285750">
+              <a:buFont typeface="Arial" charset="0"/>
+              <a:buChar char="•"/>
+            </a:pPr>
+            <a:endParaRPr lang="en-US" dirty="0" smtClean="0"/>
+          </a:p>
+          <a:p>
+            <a:pPr marL="285750" indent="-285750">
+              <a:buFont typeface="Arial" charset="0"/>
+              <a:buChar char="•"/>
+            </a:pPr>
+            <a:endParaRPr lang="en-US" dirty="0"/>
+          </a:p>
+        </p:txBody>
+      </p:sp>
+      <p:sp>
+        <p:nvSpPr>
+          <p:cNvPr id="3" name="Marcador de texto 2"/>
+          <p:cNvSpPr>
+            <a:spLocks noGrp="1"/>
+          </p:cNvSpPr>
+          <p:nvPr>
+            <p:ph type="body" sz="quarter" idx="16"/>
+          </p:nvPr>
+        </p:nvSpPr>
+        <p:spPr>
+          <a:xfrm>
+            <a:off x="3792710" y="1583411"/>
+            <a:ext cx="7675390" cy="606425"/>
+          </a:xfrm>
+        </p:spPr>
+        <p:txBody>
+          <a:bodyPr/>
+          <a:lstStyle/>
+          <a:p>
+            <a:r>
+              <a:rPr lang="en-US" dirty="0" smtClean="0"/>
+              <a:t>Regions, products </a:t>
+            </a:r>
+            <a:r>
+              <a:rPr lang="en-US" smtClean="0"/>
+              <a:t>and channels</a:t>
+            </a:r>
+            <a:endParaRPr lang="en-US" dirty="0"/>
+          </a:p>
+        </p:txBody>
+      </p:sp>
+      <p:sp>
+        <p:nvSpPr>
+          <p:cNvPr id="4" name="Marcador de texto 3"/>
+          <p:cNvSpPr>
+            <a:spLocks noGrp="1"/>
+          </p:cNvSpPr>
+          <p:nvPr>
+            <p:ph type="body" sz="quarter" idx="15"/>
           </p:nvPr>
         </p:nvSpPr>
         <p:spPr/>
@@ -5308,45 +5682,266 @@
           <a:p>
             <a:r>
               <a:rPr lang="en-US" dirty="0" smtClean="0"/>
-              <a:t>Product Categories</a:t>
+              <a:t>Overview</a:t>
             </a:r>
             <a:endParaRPr lang="en-US" dirty="0"/>
           </a:p>
         </p:txBody>
       </p:sp>
-      <p:pic>
-        <p:nvPicPr>
-          <p:cNvPr id="6" name="Marcador de contenido 5"/>
-          <p:cNvPicPr>
-            <a:picLocks noGrp="1" noChangeAspect="1"/>
-          </p:cNvPicPr>
-          <p:nvPr>
-            <p:ph sz="quarter" idx="11"/>
-          </p:nvPr>
-        </p:nvPicPr>
-        <p:blipFill>
-          <a:blip r:embed="rId2">
-            <a:extLst>
-              <a:ext uri="{28A0092B-C50C-407E-A947-70E740481C1C}">
-                <a14:useLocalDpi xmlns:a14="http://schemas.microsoft.com/office/drawing/2010/main" val="0"/>
-              </a:ext>
-            </a:extLst>
-          </a:blip>
-          <a:stretch>
-            <a:fillRect/>
-          </a:stretch>
-        </p:blipFill>
-        <p:spPr>
-          <a:xfrm>
-            <a:off x="5198944" y="2089436"/>
-            <a:ext cx="10800000" cy="6539645"/>
-          </a:xfrm>
-        </p:spPr>
-      </p:pic>
+      <p:sp>
+        <p:nvSpPr>
+          <p:cNvPr id="5" name="Marcador de texto 4"/>
+          <p:cNvSpPr>
+            <a:spLocks noGrp="1"/>
+          </p:cNvSpPr>
+          <p:nvPr>
+            <p:ph type="body" sz="quarter" idx="17"/>
+          </p:nvPr>
+        </p:nvSpPr>
+        <p:spPr>
+          <a:xfrm>
+            <a:off x="5502931" y="3145737"/>
+            <a:ext cx="2952033" cy="606425"/>
+          </a:xfrm>
+        </p:spPr>
+        <p:txBody>
+          <a:bodyPr/>
+          <a:lstStyle/>
+          <a:p>
+            <a:r>
+              <a:rPr lang="en-US" dirty="0" smtClean="0"/>
+              <a:t>Regions</a:t>
+            </a:r>
+            <a:endParaRPr lang="en-US" dirty="0"/>
+          </a:p>
+        </p:txBody>
+      </p:sp>
+      <p:sp>
+        <p:nvSpPr>
+          <p:cNvPr id="6" name="Marcador de texto 5"/>
+          <p:cNvSpPr>
+            <a:spLocks noGrp="1"/>
+          </p:cNvSpPr>
+          <p:nvPr>
+            <p:ph type="body" sz="quarter" idx="18"/>
+          </p:nvPr>
+        </p:nvSpPr>
+        <p:spPr>
+          <a:xfrm>
+            <a:off x="8982948" y="4151443"/>
+            <a:ext cx="2952033" cy="4524723"/>
+          </a:xfrm>
+        </p:spPr>
+        <p:txBody>
+          <a:bodyPr/>
+          <a:lstStyle/>
+          <a:p>
+            <a:pPr marL="285750" indent="-285750">
+              <a:buFont typeface="Arial" charset="0"/>
+              <a:buChar char="•"/>
+            </a:pPr>
+            <a:r>
+              <a:rPr lang="en-US" dirty="0" smtClean="0"/>
+              <a:t>Electronics</a:t>
+            </a:r>
+          </a:p>
+          <a:p>
+            <a:pPr marL="285750" indent="-285750">
+              <a:buFont typeface="Arial" charset="0"/>
+              <a:buChar char="•"/>
+            </a:pPr>
+            <a:r>
+              <a:rPr lang="en-US" dirty="0" smtClean="0"/>
+              <a:t>Groceries</a:t>
+            </a:r>
+          </a:p>
+          <a:p>
+            <a:pPr marL="285750" indent="-285750">
+              <a:buFont typeface="Arial" charset="0"/>
+              <a:buChar char="•"/>
+            </a:pPr>
+            <a:r>
+              <a:rPr lang="en-US" dirty="0" smtClean="0"/>
+              <a:t>Health</a:t>
+            </a:r>
+          </a:p>
+          <a:p>
+            <a:pPr marL="285750" indent="-285750">
+              <a:buFont typeface="Arial" charset="0"/>
+              <a:buChar char="•"/>
+            </a:pPr>
+            <a:r>
+              <a:rPr lang="en-US" dirty="0" smtClean="0"/>
+              <a:t>Automotive</a:t>
+            </a:r>
+          </a:p>
+          <a:p>
+            <a:pPr marL="285750" indent="-285750">
+              <a:buFont typeface="Arial" charset="0"/>
+              <a:buChar char="•"/>
+            </a:pPr>
+            <a:r>
+              <a:rPr lang="en-US" dirty="0" smtClean="0"/>
+              <a:t>Fashion</a:t>
+            </a:r>
+          </a:p>
+          <a:p>
+            <a:pPr marL="285750" indent="-285750">
+              <a:buFont typeface="Arial" charset="0"/>
+              <a:buChar char="•"/>
+            </a:pPr>
+            <a:endParaRPr lang="en-US" dirty="0"/>
+          </a:p>
+        </p:txBody>
+      </p:sp>
+      <p:sp>
+        <p:nvSpPr>
+          <p:cNvPr id="7" name="Marcador de texto 6"/>
+          <p:cNvSpPr>
+            <a:spLocks noGrp="1"/>
+          </p:cNvSpPr>
+          <p:nvPr>
+            <p:ph type="body" sz="quarter" idx="19"/>
+          </p:nvPr>
+        </p:nvSpPr>
+        <p:spPr>
+          <a:xfrm>
+            <a:off x="12977314" y="4153930"/>
+            <a:ext cx="2952033" cy="4524723"/>
+          </a:xfrm>
+        </p:spPr>
+        <p:txBody>
+          <a:bodyPr/>
+          <a:lstStyle/>
+          <a:p>
+            <a:pPr marL="285750" indent="-285750">
+              <a:buFont typeface="Arial" charset="0"/>
+              <a:buChar char="•"/>
+            </a:pPr>
+            <a:r>
+              <a:rPr lang="en-US" dirty="0" smtClean="0"/>
+              <a:t>Billboard</a:t>
+            </a:r>
+          </a:p>
+          <a:p>
+            <a:pPr marL="285750" indent="-285750">
+              <a:buFont typeface="Arial" charset="0"/>
+              <a:buChar char="•"/>
+            </a:pPr>
+            <a:r>
+              <a:rPr lang="en-US" dirty="0" smtClean="0"/>
+              <a:t>Social Media</a:t>
+            </a:r>
+          </a:p>
+          <a:p>
+            <a:pPr marL="285750" indent="-285750">
+              <a:buFont typeface="Arial" charset="0"/>
+              <a:buChar char="•"/>
+            </a:pPr>
+            <a:r>
+              <a:rPr lang="en-US" dirty="0" smtClean="0"/>
+              <a:t>Radio</a:t>
+            </a:r>
+          </a:p>
+          <a:p>
+            <a:pPr marL="285750" indent="-285750">
+              <a:buFont typeface="Arial" charset="0"/>
+              <a:buChar char="•"/>
+            </a:pPr>
+            <a:r>
+              <a:rPr lang="en-US" dirty="0" smtClean="0"/>
+              <a:t>Email</a:t>
+            </a:r>
+          </a:p>
+          <a:p>
+            <a:pPr marL="285750" indent="-285750">
+              <a:buFont typeface="Arial" charset="0"/>
+              <a:buChar char="•"/>
+            </a:pPr>
+            <a:r>
+              <a:rPr lang="en-US" dirty="0" smtClean="0"/>
+              <a:t>TV</a:t>
+            </a:r>
+          </a:p>
+          <a:p>
+            <a:pPr marL="285750" indent="-285750">
+              <a:buFont typeface="Arial" charset="0"/>
+              <a:buChar char="•"/>
+            </a:pPr>
+            <a:r>
+              <a:rPr lang="en-US" dirty="0" smtClean="0"/>
+              <a:t>News</a:t>
+            </a:r>
+          </a:p>
+          <a:p>
+            <a:pPr marL="285750" indent="-285750">
+              <a:buFont typeface="Arial" charset="0"/>
+              <a:buChar char="•"/>
+            </a:pPr>
+            <a:endParaRPr lang="en-US" dirty="0"/>
+          </a:p>
+        </p:txBody>
+      </p:sp>
+      <p:sp>
+        <p:nvSpPr>
+          <p:cNvPr id="9" name="Marcador de texto 8"/>
+          <p:cNvSpPr>
+            <a:spLocks noGrp="1"/>
+          </p:cNvSpPr>
+          <p:nvPr>
+            <p:ph type="body" sz="quarter" idx="21"/>
+          </p:nvPr>
+        </p:nvSpPr>
+        <p:spPr>
+          <a:xfrm>
+            <a:off x="8982947" y="3145736"/>
+            <a:ext cx="2952033" cy="606425"/>
+          </a:xfrm>
+        </p:spPr>
+        <p:txBody>
+          <a:bodyPr/>
+          <a:lstStyle/>
+          <a:p>
+            <a:r>
+              <a:rPr lang="en-US" dirty="0" smtClean="0"/>
+              <a:t>Product category</a:t>
+            </a:r>
+            <a:endParaRPr lang="en-US" dirty="0"/>
+          </a:p>
+        </p:txBody>
+      </p:sp>
+      <p:sp>
+        <p:nvSpPr>
+          <p:cNvPr id="10" name="Marcador de texto 9"/>
+          <p:cNvSpPr>
+            <a:spLocks noGrp="1"/>
+          </p:cNvSpPr>
+          <p:nvPr>
+            <p:ph type="body" sz="quarter" idx="22"/>
+          </p:nvPr>
+        </p:nvSpPr>
+        <p:spPr>
+          <a:xfrm>
+            <a:off x="12977313" y="3148222"/>
+            <a:ext cx="2952033" cy="606425"/>
+          </a:xfrm>
+        </p:spPr>
+        <p:txBody>
+          <a:bodyPr/>
+          <a:lstStyle/>
+          <a:p>
+            <a:r>
+              <a:rPr lang="en-US" dirty="0" smtClean="0"/>
+              <a:t>Channel</a:t>
+            </a:r>
+            <a:endParaRPr lang="en-US" dirty="0"/>
+          </a:p>
+        </p:txBody>
+      </p:sp>
     </p:spTree>
     <p:extLst>
       <p:ext uri="{BB962C8B-B14F-4D97-AF65-F5344CB8AC3E}">
-        <p14:creationId xmlns:p14="http://schemas.microsoft.com/office/powerpoint/2010/main" val="556193240"/>
+        <p14:creationId xmlns:p14="http://schemas.microsoft.com/office/powerpoint/2010/main" val="1900976396"/>
       </p:ext>
     </p:extLst>
   </p:cSld>
@@ -5397,7 +5992,7 @@
           <a:p>
             <a:r>
               <a:rPr lang="en-US" dirty="0" smtClean="0"/>
-              <a:t>Regions</a:t>
+              <a:t>Campaigns by regions</a:t>
             </a:r>
             <a:endParaRPr lang="en-US" dirty="0"/>
           </a:p>
@@ -5485,45 +6080,46 @@
           <a:lstStyle/>
           <a:p>
             <a:r>
-              <a:rPr lang="en-US" dirty="0" err="1" smtClean="0"/>
-              <a:t>Heatmap</a:t>
+              <a:rPr lang="en-US" dirty="0" smtClean="0"/>
+              <a:t>Channels</a:t>
             </a:r>
             <a:endParaRPr lang="en-US" dirty="0"/>
           </a:p>
         </p:txBody>
       </p:sp>
-      <p:sp>
-        <p:nvSpPr>
-          <p:cNvPr id="3" name="Marcador de texto 2"/>
-          <p:cNvSpPr>
-            <a:spLocks noGrp="1"/>
-          </p:cNvSpPr>
-          <p:nvPr>
-            <p:ph type="body" sz="quarter" idx="11"/>
-          </p:nvPr>
-        </p:nvSpPr>
-        <p:spPr>
-          <a:xfrm>
-            <a:off x="3792921" y="5039102"/>
-            <a:ext cx="11259510" cy="685800"/>
-          </a:xfrm>
-        </p:spPr>
-        <p:txBody>
-          <a:bodyPr/>
-          <a:lstStyle/>
-          <a:p>
-            <a:r>
-              <a:rPr lang="en-US" dirty="0" smtClean="0"/>
-              <a:t>Bivariate analysis</a:t>
-            </a:r>
-            <a:endParaRPr lang="en-US" dirty="0"/>
-          </a:p>
-        </p:txBody>
-      </p:sp>
+      <p:pic>
+        <p:nvPicPr>
+          <p:cNvPr id="8" name="Marcador de contenido 7"/>
+          <p:cNvPicPr>
+            <a:picLocks noGrp="1" noChangeAspect="1"/>
+          </p:cNvPicPr>
+          <p:nvPr>
+            <p:ph sz="quarter" idx="11"/>
+          </p:nvPr>
+        </p:nvPicPr>
+        <p:blipFill>
+          <a:blip r:embed="rId2">
+            <a:extLst>
+              <a:ext uri="{28A0092B-C50C-407E-A947-70E740481C1C}">
+                <a14:useLocalDpi xmlns:a14="http://schemas.microsoft.com/office/drawing/2010/main" val="0"/>
+              </a:ext>
+            </a:extLst>
+          </a:blip>
+          <a:stretch>
+            <a:fillRect/>
+          </a:stretch>
+        </p:blipFill>
+        <p:spPr>
+          <a:xfrm>
+            <a:off x="5198944" y="2076482"/>
+            <a:ext cx="10800000" cy="6614201"/>
+          </a:xfrm>
+        </p:spPr>
+      </p:pic>
     </p:spTree>
     <p:extLst>
       <p:ext uri="{BB962C8B-B14F-4D97-AF65-F5344CB8AC3E}">
-        <p14:creationId xmlns:p14="http://schemas.microsoft.com/office/powerpoint/2010/main" val="30966528"/>
+        <p14:creationId xmlns:p14="http://schemas.microsoft.com/office/powerpoint/2010/main" val="1324854294"/>
       </p:ext>
     </p:extLst>
   </p:cSld>
@@ -5541,7 +6137,7 @@
 </file>
 
 <file path=ppt/slides/slide8.xml><?xml version="1.0" encoding="utf-8"?>
-<p:sld xmlns:a="http://schemas.openxmlformats.org/drawingml/2006/main" xmlns:r="http://schemas.openxmlformats.org/officeDocument/2006/relationships" xmlns:p="http://schemas.openxmlformats.org/presentationml/2006/main">
+<p:sld xmlns:a="http://schemas.openxmlformats.org/drawingml/2006/main" xmlns:r="http://schemas.openxmlformats.org/officeDocument/2006/relationships" xmlns:p="http://schemas.openxmlformats.org/presentationml/2006/main" show="0">
   <p:cSld>
     <p:spTree>
       <p:nvGrpSpPr>
@@ -5576,53 +6172,56 @@
               <a:rPr lang="en-US" dirty="0" err="1" smtClean="0"/>
               <a:t>Heatmap</a:t>
             </a:r>
-            <a:r>
-              <a:rPr lang="en-US" dirty="0" smtClean="0"/>
-              <a:t> for numerical variables</a:t>
-            </a:r>
             <a:endParaRPr lang="en-US" dirty="0"/>
           </a:p>
         </p:txBody>
       </p:sp>
-      <p:pic>
-        <p:nvPicPr>
-          <p:cNvPr id="4" name="Marcador de contenido 3"/>
-          <p:cNvPicPr>
-            <a:picLocks noGrp="1" noChangeAspect="1"/>
-          </p:cNvPicPr>
-          <p:nvPr>
-            <p:ph sz="quarter" idx="11"/>
-          </p:nvPr>
-        </p:nvPicPr>
-        <p:blipFill>
-          <a:blip r:embed="rId2">
-            <a:extLst>
-              <a:ext uri="{28A0092B-C50C-407E-A947-70E740481C1C}">
-                <a14:useLocalDpi xmlns:a14="http://schemas.microsoft.com/office/drawing/2010/main" val="0"/>
-              </a:ext>
-            </a:extLst>
-          </a:blip>
-          <a:stretch>
-            <a:fillRect/>
-          </a:stretch>
-        </p:blipFill>
-        <p:spPr>
-          <a:xfrm>
-            <a:off x="6046616" y="2076450"/>
-            <a:ext cx="9104656" cy="6516688"/>
-          </a:xfrm>
-        </p:spPr>
-      </p:pic>
+      <p:sp>
+        <p:nvSpPr>
+          <p:cNvPr id="3" name="Marcador de texto 2"/>
+          <p:cNvSpPr>
+            <a:spLocks noGrp="1"/>
+          </p:cNvSpPr>
+          <p:nvPr>
+            <p:ph type="body" sz="quarter" idx="11"/>
+          </p:nvPr>
+        </p:nvSpPr>
+        <p:spPr>
+          <a:xfrm>
+            <a:off x="3792921" y="5039102"/>
+            <a:ext cx="11259510" cy="685800"/>
+          </a:xfrm>
+        </p:spPr>
+        <p:txBody>
+          <a:bodyPr/>
+          <a:lstStyle/>
+          <a:p>
+            <a:r>
+              <a:rPr lang="en-US" dirty="0" smtClean="0"/>
+              <a:t>Bivariate analysis</a:t>
+            </a:r>
+            <a:endParaRPr lang="en-US" dirty="0"/>
+          </a:p>
+        </p:txBody>
+      </p:sp>
     </p:spTree>
     <p:extLst>
       <p:ext uri="{BB962C8B-B14F-4D97-AF65-F5344CB8AC3E}">
-        <p14:creationId xmlns:p14="http://schemas.microsoft.com/office/powerpoint/2010/main" val="1662766581"/>
+        <p14:creationId xmlns:p14="http://schemas.microsoft.com/office/powerpoint/2010/main" val="30966528"/>
       </p:ext>
     </p:extLst>
   </p:cSld>
   <p:clrMapOvr>
     <a:masterClrMapping/>
   </p:clrMapOvr>
+  <mc:AlternateContent xmlns:mc="http://schemas.openxmlformats.org/markup-compatibility/2006">
+    <mc:Choice xmlns:p14="http://schemas.microsoft.com/office/powerpoint/2010/main" Requires="p14">
+      <p:transition spd="slow" p14:dur="2000"/>
+    </mc:Choice>
+    <mc:Fallback>
+      <p:transition spd="slow"/>
+    </mc:Fallback>
+  </mc:AlternateContent>
   <p:timing>
     <p:tnLst>
       <p:par>
